--- a/Presentation/Twitter - Web Mining.pptx
+++ b/Presentation/Twitter - Web Mining.pptx
@@ -125,7 +125,7 @@
   </p:defaultTextStyle>
   <p:extLst>
     <p:ext uri="{EFAFB233-063F-42B5-8137-9DF3F51BA10A}">
-      <p15:sldGuideLst xmlns:p15="http://schemas.microsoft.com/office/powerpoint/2012/main">
+      <p15:sldGuideLst xmlns:p15="http://schemas.microsoft.com/office/powerpoint/2012/main" xmlns="">
         <p15:guide id="1" orient="horz" pos="2160">
           <p15:clr>
             <a:srgbClr val="A4A3A4"/>
@@ -224,7 +224,8 @@
           <a:p>
             <a:fld id="{88512D3A-81BD-45C1-9E3F-E3D63DFA29FB}" type="datetimeFigureOut">
               <a:rPr lang="sv-SE" smtClean="0"/>
-              <a:t>2016-05-13</a:t>
+              <a:pPr/>
+              <a:t>2016-05-16</a:t>
             </a:fld>
             <a:endParaRPr lang="sv-SE"/>
           </a:p>
@@ -383,6 +384,7 @@
           <a:p>
             <a:fld id="{CC8BC763-A577-4139-9468-42C163C5ADDC}" type="slidenum">
               <a:rPr lang="sv-SE" smtClean="0"/>
+              <a:pPr/>
               <a:t>‹#›</a:t>
             </a:fld>
             <a:endParaRPr lang="sv-SE"/>
@@ -392,7 +394,7 @@
     </p:spTree>
     <p:extLst>
       <p:ext uri="{BB962C8B-B14F-4D97-AF65-F5344CB8AC3E}">
-        <p14:creationId xmlns:p14="http://schemas.microsoft.com/office/powerpoint/2010/main" val="2780048915"/>
+        <p14:creationId xmlns:p14="http://schemas.microsoft.com/office/powerpoint/2010/main" xmlns="" val="2780048915"/>
       </p:ext>
     </p:extLst>
   </p:cSld>
@@ -557,6 +559,7 @@
           <a:p>
             <a:fld id="{CC8BC763-A577-4139-9468-42C163C5ADDC}" type="slidenum">
               <a:rPr lang="sv-SE" smtClean="0"/>
+              <a:pPr/>
               <a:t>2</a:t>
             </a:fld>
             <a:endParaRPr lang="sv-SE"/>
@@ -566,9 +569,403 @@
     </p:spTree>
     <p:extLst>
       <p:ext uri="{BB962C8B-B14F-4D97-AF65-F5344CB8AC3E}">
-        <p14:creationId xmlns:p14="http://schemas.microsoft.com/office/powerpoint/2010/main" val="1393420481"/>
+        <p14:creationId xmlns:p14="http://schemas.microsoft.com/office/powerpoint/2010/main" xmlns="" val="1393420481"/>
       </p:ext>
     </p:extLst>
+  </p:cSld>
+  <p:clrMapOvr>
+    <a:masterClrMapping/>
+  </p:clrMapOvr>
+</p:notes>
+</file>
+
+<file path=ppt/notesSlides/notesSlide10.xml><?xml version="1.0" encoding="utf-8"?>
+<p:notes xmlns:a="http://schemas.openxmlformats.org/drawingml/2006/main" xmlns:r="http://schemas.openxmlformats.org/officeDocument/2006/relationships" xmlns:p="http://schemas.openxmlformats.org/presentationml/2006/main">
+  <p:cSld>
+    <p:spTree>
+      <p:nvGrpSpPr>
+        <p:cNvPr id="1" name=""/>
+        <p:cNvGrpSpPr/>
+        <p:nvPr/>
+      </p:nvGrpSpPr>
+      <p:grpSpPr>
+        <a:xfrm>
+          <a:off x="0" y="0"/>
+          <a:ext cx="0" cy="0"/>
+          <a:chOff x="0" y="0"/>
+          <a:chExt cx="0" cy="0"/>
+        </a:xfrm>
+      </p:grpSpPr>
+      <p:sp>
+        <p:nvSpPr>
+          <p:cNvPr id="2" name="Platshållare för bildobjekt 1"/>
+          <p:cNvSpPr>
+            <a:spLocks noGrp="1" noRot="1" noChangeAspect="1"/>
+          </p:cNvSpPr>
+          <p:nvPr>
+            <p:ph type="sldImg"/>
+          </p:nvPr>
+        </p:nvSpPr>
+        <p:spPr/>
+      </p:sp>
+      <p:sp>
+        <p:nvSpPr>
+          <p:cNvPr id="3" name="Platshållare för anteckningar 2"/>
+          <p:cNvSpPr>
+            <a:spLocks noGrp="1"/>
+          </p:cNvSpPr>
+          <p:nvPr>
+            <p:ph type="body" idx="1"/>
+          </p:nvPr>
+        </p:nvSpPr>
+        <p:spPr/>
+        <p:txBody>
+          <a:bodyPr>
+            <a:normAutofit/>
+          </a:bodyPr>
+          <a:lstStyle/>
+          <a:p>
+            <a:pPr marL="0" marR="0" indent="0" algn="l" defTabSz="914400" rtl="0" eaLnBrk="1" fontAlgn="auto" latinLnBrk="0" hangingPunct="1">
+              <a:lnSpc>
+                <a:spcPct val="100000"/>
+              </a:lnSpc>
+              <a:spcBef>
+                <a:spcPts val="0"/>
+              </a:spcBef>
+              <a:spcAft>
+                <a:spcPts val="0"/>
+              </a:spcAft>
+              <a:buClrTx/>
+              <a:buSzTx/>
+              <a:buFont typeface="Arial" charset="0"/>
+              <a:buChar char="•"/>
+              <a:tabLst/>
+              <a:defRPr/>
+            </a:pPr>
+            <a:r>
+              <a:rPr lang="sv-SE" baseline="0" dirty="0" smtClean="0"/>
+              <a:t>All </a:t>
+            </a:r>
+            <a:r>
+              <a:rPr lang="sv-SE" baseline="0" dirty="0" err="1" smtClean="0"/>
+              <a:t>scores</a:t>
+            </a:r>
+            <a:r>
+              <a:rPr lang="sv-SE" baseline="0" dirty="0" smtClean="0"/>
+              <a:t> </a:t>
+            </a:r>
+            <a:r>
+              <a:rPr lang="sv-SE" baseline="0" dirty="0" err="1" smtClean="0"/>
+              <a:t>normalized</a:t>
+            </a:r>
+            <a:r>
+              <a:rPr lang="sv-SE" baseline="0" dirty="0" smtClean="0"/>
+              <a:t> to </a:t>
+            </a:r>
+            <a:r>
+              <a:rPr lang="sv-SE" baseline="0" dirty="0" err="1" smtClean="0"/>
+              <a:t>take</a:t>
+            </a:r>
+            <a:r>
+              <a:rPr lang="sv-SE" baseline="0" dirty="0" smtClean="0"/>
+              <a:t> </a:t>
+            </a:r>
+            <a:r>
+              <a:rPr lang="sv-SE" baseline="0" dirty="0" err="1" smtClean="0"/>
+              <a:t>values</a:t>
+            </a:r>
+            <a:r>
+              <a:rPr lang="sv-SE" baseline="0" dirty="0" smtClean="0"/>
+              <a:t> -1, 0 or 1. </a:t>
+            </a:r>
+          </a:p>
+          <a:p>
+            <a:pPr marL="0" marR="0" indent="0" algn="l" defTabSz="914400" rtl="0" eaLnBrk="1" fontAlgn="auto" latinLnBrk="0" hangingPunct="1">
+              <a:lnSpc>
+                <a:spcPct val="100000"/>
+              </a:lnSpc>
+              <a:spcBef>
+                <a:spcPts val="0"/>
+              </a:spcBef>
+              <a:spcAft>
+                <a:spcPts val="0"/>
+              </a:spcAft>
+              <a:buClrTx/>
+              <a:buSzTx/>
+              <a:buFont typeface="Arial" charset="0"/>
+              <a:buChar char="•"/>
+              <a:tabLst/>
+              <a:defRPr/>
+            </a:pPr>
+            <a:r>
+              <a:rPr lang="sv-SE" dirty="0" smtClean="0"/>
+              <a:t>Mode</a:t>
+            </a:r>
+            <a:r>
+              <a:rPr lang="sv-SE" baseline="0" dirty="0" smtClean="0"/>
+              <a:t> </a:t>
+            </a:r>
+            <a:r>
+              <a:rPr lang="sv-SE" baseline="0" dirty="0" err="1" smtClean="0"/>
+              <a:t>between</a:t>
+            </a:r>
+            <a:r>
+              <a:rPr lang="sv-SE" baseline="0" dirty="0" smtClean="0"/>
+              <a:t> the </a:t>
+            </a:r>
+            <a:r>
+              <a:rPr lang="sv-SE" baseline="0" dirty="0" err="1" smtClean="0"/>
+              <a:t>scoring</a:t>
+            </a:r>
+            <a:r>
+              <a:rPr lang="sv-SE" baseline="0" dirty="0" smtClean="0"/>
+              <a:t> </a:t>
+            </a:r>
+            <a:r>
+              <a:rPr lang="sv-SE" baseline="0" dirty="0" err="1" smtClean="0"/>
+              <a:t>functions</a:t>
+            </a:r>
+            <a:r>
+              <a:rPr lang="sv-SE" baseline="0" dirty="0" smtClean="0"/>
+              <a:t> </a:t>
+            </a:r>
+            <a:r>
+              <a:rPr lang="sv-SE" baseline="0" dirty="0" err="1" smtClean="0"/>
+              <a:t>decides</a:t>
+            </a:r>
+            <a:r>
+              <a:rPr lang="sv-SE" baseline="0" dirty="0" smtClean="0"/>
+              <a:t> </a:t>
+            </a:r>
+            <a:r>
+              <a:rPr lang="sv-SE" baseline="0" dirty="0" err="1" smtClean="0"/>
+              <a:t>what</a:t>
+            </a:r>
+            <a:r>
+              <a:rPr lang="sv-SE" baseline="0" dirty="0" smtClean="0"/>
+              <a:t> tag a </a:t>
+            </a:r>
+            <a:r>
+              <a:rPr lang="sv-SE" baseline="0" dirty="0" err="1" smtClean="0"/>
+              <a:t>tweet</a:t>
+            </a:r>
+            <a:r>
+              <a:rPr lang="sv-SE" baseline="0" dirty="0" smtClean="0"/>
+              <a:t> is given. </a:t>
+            </a:r>
+            <a:r>
+              <a:rPr lang="sv-SE" baseline="0" dirty="0" err="1" smtClean="0"/>
+              <a:t>If</a:t>
+            </a:r>
+            <a:r>
+              <a:rPr lang="sv-SE" baseline="0" dirty="0" smtClean="0"/>
+              <a:t> all </a:t>
+            </a:r>
+            <a:r>
+              <a:rPr lang="sv-SE" baseline="0" dirty="0" err="1" smtClean="0"/>
+              <a:t>scores</a:t>
+            </a:r>
+            <a:r>
+              <a:rPr lang="sv-SE" baseline="0" dirty="0" smtClean="0"/>
+              <a:t> are different, the </a:t>
+            </a:r>
+            <a:r>
+              <a:rPr lang="sv-SE" baseline="0" dirty="0" err="1" smtClean="0"/>
+              <a:t>tweet</a:t>
+            </a:r>
+            <a:r>
+              <a:rPr lang="sv-SE" baseline="0" dirty="0" smtClean="0"/>
+              <a:t> is </a:t>
+            </a:r>
+            <a:r>
+              <a:rPr lang="sv-SE" baseline="0" dirty="0" err="1" smtClean="0"/>
+              <a:t>tagged</a:t>
+            </a:r>
+            <a:r>
+              <a:rPr lang="sv-SE" baseline="0" dirty="0" smtClean="0"/>
+              <a:t> as neutral. </a:t>
+            </a:r>
+            <a:endParaRPr lang="sv-SE" dirty="0" smtClean="0"/>
+          </a:p>
+        </p:txBody>
+      </p:sp>
+      <p:sp>
+        <p:nvSpPr>
+          <p:cNvPr id="4" name="Platshållare för bildnummer 3"/>
+          <p:cNvSpPr>
+            <a:spLocks noGrp="1"/>
+          </p:cNvSpPr>
+          <p:nvPr>
+            <p:ph type="sldNum" sz="quarter" idx="10"/>
+          </p:nvPr>
+        </p:nvSpPr>
+        <p:spPr/>
+        <p:txBody>
+          <a:bodyPr/>
+          <a:lstStyle/>
+          <a:p>
+            <a:fld id="{CC8BC763-A577-4139-9468-42C163C5ADDC}" type="slidenum">
+              <a:rPr lang="sv-SE" smtClean="0"/>
+              <a:pPr/>
+              <a:t>15</a:t>
+            </a:fld>
+            <a:endParaRPr lang="sv-SE"/>
+          </a:p>
+        </p:txBody>
+      </p:sp>
+    </p:spTree>
+  </p:cSld>
+  <p:clrMapOvr>
+    <a:masterClrMapping/>
+  </p:clrMapOvr>
+</p:notes>
+</file>
+
+<file path=ppt/notesSlides/notesSlide11.xml><?xml version="1.0" encoding="utf-8"?>
+<p:notes xmlns:a="http://schemas.openxmlformats.org/drawingml/2006/main" xmlns:r="http://schemas.openxmlformats.org/officeDocument/2006/relationships" xmlns:p="http://schemas.openxmlformats.org/presentationml/2006/main">
+  <p:cSld>
+    <p:spTree>
+      <p:nvGrpSpPr>
+        <p:cNvPr id="1" name=""/>
+        <p:cNvGrpSpPr/>
+        <p:nvPr/>
+      </p:nvGrpSpPr>
+      <p:grpSpPr>
+        <a:xfrm>
+          <a:off x="0" y="0"/>
+          <a:ext cx="0" cy="0"/>
+          <a:chOff x="0" y="0"/>
+          <a:chExt cx="0" cy="0"/>
+        </a:xfrm>
+      </p:grpSpPr>
+      <p:sp>
+        <p:nvSpPr>
+          <p:cNvPr id="2" name="Platshållare för bildobjekt 1"/>
+          <p:cNvSpPr>
+            <a:spLocks noGrp="1" noRot="1" noChangeAspect="1"/>
+          </p:cNvSpPr>
+          <p:nvPr>
+            <p:ph type="sldImg"/>
+          </p:nvPr>
+        </p:nvSpPr>
+        <p:spPr/>
+      </p:sp>
+      <p:sp>
+        <p:nvSpPr>
+          <p:cNvPr id="3" name="Platshållare för anteckningar 2"/>
+          <p:cNvSpPr>
+            <a:spLocks noGrp="1"/>
+          </p:cNvSpPr>
+          <p:nvPr>
+            <p:ph type="body" idx="1"/>
+          </p:nvPr>
+        </p:nvSpPr>
+        <p:spPr/>
+        <p:txBody>
+          <a:bodyPr>
+            <a:normAutofit/>
+          </a:bodyPr>
+          <a:lstStyle/>
+          <a:p>
+            <a:r>
+              <a:rPr lang="sv-SE" dirty="0" err="1" smtClean="0"/>
+              <a:t>Ratio</a:t>
+            </a:r>
+            <a:r>
+              <a:rPr lang="sv-SE" dirty="0" smtClean="0"/>
+              <a:t> of</a:t>
+            </a:r>
+            <a:r>
+              <a:rPr lang="sv-SE" baseline="0" dirty="0" smtClean="0"/>
+              <a:t> positive </a:t>
+            </a:r>
+            <a:r>
+              <a:rPr lang="sv-SE" baseline="0" dirty="0" err="1" smtClean="0"/>
+              <a:t>tweets</a:t>
+            </a:r>
+            <a:r>
+              <a:rPr lang="sv-SE" baseline="0" dirty="0" smtClean="0"/>
+              <a:t> – negative </a:t>
+            </a:r>
+            <a:r>
+              <a:rPr lang="sv-SE" baseline="0" dirty="0" err="1" smtClean="0"/>
+              <a:t>tweets</a:t>
+            </a:r>
+            <a:r>
+              <a:rPr lang="sv-SE" baseline="0" dirty="0" smtClean="0"/>
+              <a:t> / all </a:t>
+            </a:r>
+            <a:r>
+              <a:rPr lang="sv-SE" baseline="0" dirty="0" err="1" smtClean="0"/>
+              <a:t>tweets</a:t>
+            </a:r>
+            <a:endParaRPr lang="sv-SE" dirty="0" smtClean="0"/>
+          </a:p>
+          <a:p>
+            <a:r>
+              <a:rPr lang="sv-SE" dirty="0" err="1" smtClean="0"/>
+              <a:t>Never</a:t>
+            </a:r>
+            <a:r>
+              <a:rPr lang="sv-SE" dirty="0" smtClean="0"/>
+              <a:t> negative for </a:t>
+            </a:r>
+            <a:r>
+              <a:rPr lang="sv-SE" dirty="0" err="1" smtClean="0"/>
+              <a:t>Obama</a:t>
+            </a:r>
+            <a:endParaRPr lang="sv-SE" dirty="0" smtClean="0"/>
+          </a:p>
+          <a:p>
+            <a:r>
+              <a:rPr lang="sv-SE" dirty="0" err="1" smtClean="0"/>
+              <a:t>Around</a:t>
+            </a:r>
+            <a:r>
+              <a:rPr lang="sv-SE" baseline="0" dirty="0" smtClean="0"/>
+              <a:t> </a:t>
+            </a:r>
+            <a:r>
+              <a:rPr lang="sv-SE" baseline="0" dirty="0" err="1" smtClean="0"/>
+              <a:t>zero/negative</a:t>
+            </a:r>
+            <a:r>
+              <a:rPr lang="sv-SE" baseline="0" dirty="0" smtClean="0"/>
+              <a:t> for </a:t>
+            </a:r>
+            <a:r>
+              <a:rPr lang="sv-SE" baseline="0" dirty="0" err="1" smtClean="0"/>
+              <a:t>Romney</a:t>
+            </a:r>
+            <a:endParaRPr lang="sv-SE" dirty="0"/>
+          </a:p>
+        </p:txBody>
+      </p:sp>
+      <p:sp>
+        <p:nvSpPr>
+          <p:cNvPr id="4" name="Platshållare för bildnummer 3"/>
+          <p:cNvSpPr>
+            <a:spLocks noGrp="1"/>
+          </p:cNvSpPr>
+          <p:nvPr>
+            <p:ph type="sldNum" sz="quarter" idx="10"/>
+          </p:nvPr>
+        </p:nvSpPr>
+        <p:spPr/>
+        <p:txBody>
+          <a:bodyPr/>
+          <a:lstStyle/>
+          <a:p>
+            <a:fld id="{CC8BC763-A577-4139-9468-42C163C5ADDC}" type="slidenum">
+              <a:rPr lang="sv-SE" smtClean="0"/>
+              <a:pPr/>
+              <a:t>16</a:t>
+            </a:fld>
+            <a:endParaRPr lang="sv-SE"/>
+          </a:p>
+        </p:txBody>
+      </p:sp>
+    </p:spTree>
   </p:cSld>
   <p:clrMapOvr>
     <a:masterClrMapping/>
@@ -971,6 +1368,7 @@
           <a:p>
             <a:fld id="{CC8BC763-A577-4139-9468-42C163C5ADDC}" type="slidenum">
               <a:rPr lang="sv-SE" smtClean="0"/>
+              <a:pPr/>
               <a:t>3</a:t>
             </a:fld>
             <a:endParaRPr lang="sv-SE"/>
@@ -980,9 +1378,1531 @@
     </p:spTree>
     <p:extLst>
       <p:ext uri="{BB962C8B-B14F-4D97-AF65-F5344CB8AC3E}">
-        <p14:creationId xmlns:p14="http://schemas.microsoft.com/office/powerpoint/2010/main" val="3885795030"/>
+        <p14:creationId xmlns:p14="http://schemas.microsoft.com/office/powerpoint/2010/main" xmlns="" val="3885795030"/>
       </p:ext>
     </p:extLst>
+  </p:cSld>
+  <p:clrMapOvr>
+    <a:masterClrMapping/>
+  </p:clrMapOvr>
+</p:notes>
+</file>
+
+<file path=ppt/notesSlides/notesSlide3.xml><?xml version="1.0" encoding="utf-8"?>
+<p:notes xmlns:a="http://schemas.openxmlformats.org/drawingml/2006/main" xmlns:r="http://schemas.openxmlformats.org/officeDocument/2006/relationships" xmlns:p="http://schemas.openxmlformats.org/presentationml/2006/main">
+  <p:cSld>
+    <p:spTree>
+      <p:nvGrpSpPr>
+        <p:cNvPr id="1" name=""/>
+        <p:cNvGrpSpPr/>
+        <p:nvPr/>
+      </p:nvGrpSpPr>
+      <p:grpSpPr>
+        <a:xfrm>
+          <a:off x="0" y="0"/>
+          <a:ext cx="0" cy="0"/>
+          <a:chOff x="0" y="0"/>
+          <a:chExt cx="0" cy="0"/>
+        </a:xfrm>
+      </p:grpSpPr>
+      <p:sp>
+        <p:nvSpPr>
+          <p:cNvPr id="2" name="Platshållare för bildobjekt 1"/>
+          <p:cNvSpPr>
+            <a:spLocks noGrp="1" noRot="1" noChangeAspect="1"/>
+          </p:cNvSpPr>
+          <p:nvPr>
+            <p:ph type="sldImg"/>
+          </p:nvPr>
+        </p:nvSpPr>
+        <p:spPr/>
+      </p:sp>
+      <p:sp>
+        <p:nvSpPr>
+          <p:cNvPr id="3" name="Platshållare för anteckningar 2"/>
+          <p:cNvSpPr>
+            <a:spLocks noGrp="1"/>
+          </p:cNvSpPr>
+          <p:nvPr>
+            <p:ph type="body" idx="1"/>
+          </p:nvPr>
+        </p:nvSpPr>
+        <p:spPr/>
+        <p:txBody>
+          <a:bodyPr>
+            <a:normAutofit/>
+          </a:bodyPr>
+          <a:lstStyle/>
+          <a:p>
+            <a:r>
+              <a:rPr lang="en-US" noProof="0" dirty="0" smtClean="0"/>
+              <a:t>*</a:t>
+            </a:r>
+            <a:r>
+              <a:rPr lang="en-US" baseline="0" noProof="0" dirty="0" smtClean="0"/>
+              <a:t> Tweets are noisy due to use of a variety of languages, formats/signs, unstructured grammar and </a:t>
+            </a:r>
+            <a:r>
+              <a:rPr lang="en-US" baseline="0" noProof="0" dirty="0" err="1" smtClean="0"/>
+              <a:t>and</a:t>
+            </a:r>
+            <a:r>
+              <a:rPr lang="en-US" baseline="0" noProof="0" dirty="0" smtClean="0"/>
+              <a:t> unofficial </a:t>
+            </a:r>
+            <a:r>
+              <a:rPr lang="en-US" baseline="0" noProof="0" dirty="0" err="1" smtClean="0"/>
+              <a:t>abbrevations</a:t>
+            </a:r>
+            <a:r>
+              <a:rPr lang="en-US" baseline="0" noProof="0" dirty="0" smtClean="0"/>
+              <a:t>.</a:t>
+            </a:r>
+          </a:p>
+          <a:p>
+            <a:r>
+              <a:rPr lang="en-US" baseline="0" noProof="0" dirty="0" smtClean="0"/>
+              <a:t>-&gt; Need for text cleaning</a:t>
+            </a:r>
+          </a:p>
+          <a:p>
+            <a:endParaRPr lang="en-US" baseline="0" noProof="0" dirty="0" smtClean="0"/>
+          </a:p>
+          <a:p>
+            <a:r>
+              <a:rPr lang="en-US" baseline="0" noProof="0" dirty="0" smtClean="0"/>
+              <a:t>* Simplest features are the individual words composing the tweet, and the associated feature values are the frequencies of word occurrences in the tweet.</a:t>
+            </a:r>
+            <a:endParaRPr lang="en-US" noProof="0" dirty="0"/>
+          </a:p>
+        </p:txBody>
+      </p:sp>
+      <p:sp>
+        <p:nvSpPr>
+          <p:cNvPr id="4" name="Platshållare för bildnummer 3"/>
+          <p:cNvSpPr>
+            <a:spLocks noGrp="1"/>
+          </p:cNvSpPr>
+          <p:nvPr>
+            <p:ph type="sldNum" sz="quarter" idx="10"/>
+          </p:nvPr>
+        </p:nvSpPr>
+        <p:spPr/>
+        <p:txBody>
+          <a:bodyPr/>
+          <a:lstStyle/>
+          <a:p>
+            <a:fld id="{CC8BC763-A577-4139-9468-42C163C5ADDC}" type="slidenum">
+              <a:rPr lang="sv-SE" smtClean="0"/>
+              <a:pPr/>
+              <a:t>7</a:t>
+            </a:fld>
+            <a:endParaRPr lang="sv-SE"/>
+          </a:p>
+        </p:txBody>
+      </p:sp>
+    </p:spTree>
+  </p:cSld>
+  <p:clrMapOvr>
+    <a:masterClrMapping/>
+  </p:clrMapOvr>
+</p:notes>
+</file>
+
+<file path=ppt/notesSlides/notesSlide4.xml><?xml version="1.0" encoding="utf-8"?>
+<p:notes xmlns:a="http://schemas.openxmlformats.org/drawingml/2006/main" xmlns:r="http://schemas.openxmlformats.org/officeDocument/2006/relationships" xmlns:p="http://schemas.openxmlformats.org/presentationml/2006/main">
+  <p:cSld>
+    <p:spTree>
+      <p:nvGrpSpPr>
+        <p:cNvPr id="1" name=""/>
+        <p:cNvGrpSpPr/>
+        <p:nvPr/>
+      </p:nvGrpSpPr>
+      <p:grpSpPr>
+        <a:xfrm>
+          <a:off x="0" y="0"/>
+          <a:ext cx="0" cy="0"/>
+          <a:chOff x="0" y="0"/>
+          <a:chExt cx="0" cy="0"/>
+        </a:xfrm>
+      </p:grpSpPr>
+      <p:sp>
+        <p:nvSpPr>
+          <p:cNvPr id="2" name="Platshållare för bildobjekt 1"/>
+          <p:cNvSpPr>
+            <a:spLocks noGrp="1" noRot="1" noChangeAspect="1"/>
+          </p:cNvSpPr>
+          <p:nvPr>
+            <p:ph type="sldImg"/>
+          </p:nvPr>
+        </p:nvSpPr>
+        <p:spPr/>
+      </p:sp>
+      <p:sp>
+        <p:nvSpPr>
+          <p:cNvPr id="3" name="Platshållare för anteckningar 2"/>
+          <p:cNvSpPr>
+            <a:spLocks noGrp="1"/>
+          </p:cNvSpPr>
+          <p:nvPr>
+            <p:ph type="body" idx="1"/>
+          </p:nvPr>
+        </p:nvSpPr>
+        <p:spPr/>
+        <p:txBody>
+          <a:bodyPr>
+            <a:normAutofit/>
+          </a:bodyPr>
+          <a:lstStyle/>
+          <a:p>
+            <a:pPr>
+              <a:buFont typeface="Arial" charset="0"/>
+              <a:buChar char="•"/>
+            </a:pPr>
+            <a:r>
+              <a:rPr lang="sv-SE" dirty="0" smtClean="0"/>
+              <a:t>An N-gra</a:t>
+            </a:r>
+            <a:r>
+              <a:rPr lang="sv-SE" baseline="0" dirty="0" smtClean="0"/>
+              <a:t>m is a </a:t>
+            </a:r>
+            <a:r>
+              <a:rPr lang="sv-SE" baseline="0" dirty="0" err="1" smtClean="0"/>
+              <a:t>subsequence</a:t>
+            </a:r>
+            <a:r>
+              <a:rPr lang="sv-SE" baseline="0" dirty="0" smtClean="0"/>
+              <a:t> of N </a:t>
+            </a:r>
+            <a:r>
+              <a:rPr lang="sv-SE" baseline="0" dirty="0" err="1" smtClean="0"/>
+              <a:t>items</a:t>
+            </a:r>
+            <a:r>
+              <a:rPr lang="sv-SE" baseline="0" dirty="0" smtClean="0"/>
+              <a:t> in a given </a:t>
+            </a:r>
+            <a:r>
+              <a:rPr lang="sv-SE" baseline="0" dirty="0" err="1" smtClean="0"/>
+              <a:t>sequence</a:t>
+            </a:r>
+            <a:r>
+              <a:rPr lang="sv-SE" baseline="0" dirty="0" smtClean="0"/>
+              <a:t>, the </a:t>
+            </a:r>
+            <a:r>
+              <a:rPr lang="sv-SE" baseline="0" dirty="0" err="1" smtClean="0"/>
+              <a:t>sequence</a:t>
+            </a:r>
+            <a:r>
+              <a:rPr lang="sv-SE" baseline="0" dirty="0" smtClean="0"/>
+              <a:t> </a:t>
+            </a:r>
+            <a:r>
+              <a:rPr lang="sv-SE" baseline="0" dirty="0" err="1" smtClean="0"/>
+              <a:t>can</a:t>
+            </a:r>
+            <a:r>
+              <a:rPr lang="sv-SE" baseline="0" dirty="0" smtClean="0"/>
+              <a:t> be </a:t>
+            </a:r>
+            <a:r>
+              <a:rPr lang="sv-SE" baseline="0" dirty="0" err="1" smtClean="0"/>
+              <a:t>anything</a:t>
+            </a:r>
+            <a:r>
+              <a:rPr lang="sv-SE" baseline="0" dirty="0" smtClean="0"/>
+              <a:t> from </a:t>
+            </a:r>
+            <a:r>
+              <a:rPr lang="sv-SE" baseline="0" dirty="0" err="1" smtClean="0"/>
+              <a:t>characters</a:t>
+            </a:r>
+            <a:r>
+              <a:rPr lang="sv-SE" baseline="0" dirty="0" smtClean="0"/>
+              <a:t> to </a:t>
+            </a:r>
+            <a:r>
+              <a:rPr lang="sv-SE" baseline="0" dirty="0" err="1" smtClean="0"/>
+              <a:t>words</a:t>
+            </a:r>
+            <a:r>
+              <a:rPr lang="sv-SE" baseline="0" dirty="0" smtClean="0"/>
+              <a:t>.</a:t>
+            </a:r>
+          </a:p>
+          <a:p>
+            <a:pPr>
+              <a:buFont typeface="Arial" charset="0"/>
+              <a:buChar char="•"/>
+            </a:pPr>
+            <a:r>
+              <a:rPr lang="sv-SE" baseline="0" dirty="0" smtClean="0"/>
+              <a:t> </a:t>
+            </a:r>
+            <a:r>
+              <a:rPr lang="sv-SE" baseline="0" dirty="0" err="1" smtClean="0"/>
+              <a:t>Unigram</a:t>
+            </a:r>
+            <a:r>
+              <a:rPr lang="sv-SE" baseline="0" dirty="0" smtClean="0"/>
+              <a:t> – A </a:t>
+            </a:r>
+            <a:r>
+              <a:rPr lang="sv-SE" baseline="0" dirty="0" err="1" smtClean="0"/>
+              <a:t>single</a:t>
+            </a:r>
+            <a:r>
+              <a:rPr lang="sv-SE" baseline="0" dirty="0" smtClean="0"/>
+              <a:t> </a:t>
+            </a:r>
+            <a:r>
+              <a:rPr lang="sv-SE" baseline="0" dirty="0" err="1" smtClean="0"/>
+              <a:t>word</a:t>
+            </a:r>
+            <a:r>
+              <a:rPr lang="sv-SE" baseline="0" dirty="0" smtClean="0"/>
+              <a:t>. </a:t>
+            </a:r>
+          </a:p>
+          <a:p>
+            <a:pPr>
+              <a:buFont typeface="Arial" charset="0"/>
+              <a:buChar char="•"/>
+            </a:pPr>
+            <a:r>
+              <a:rPr lang="sv-SE" baseline="0" dirty="0" err="1" smtClean="0"/>
+              <a:t>Bigram</a:t>
+            </a:r>
+            <a:r>
+              <a:rPr lang="sv-SE" baseline="0" dirty="0" smtClean="0"/>
+              <a:t> – A </a:t>
+            </a:r>
+            <a:r>
+              <a:rPr lang="sv-SE" baseline="0" dirty="0" err="1" smtClean="0"/>
+              <a:t>sequence</a:t>
+            </a:r>
+            <a:r>
+              <a:rPr lang="sv-SE" baseline="0" dirty="0" smtClean="0"/>
+              <a:t> of </a:t>
+            </a:r>
+            <a:r>
+              <a:rPr lang="sv-SE" baseline="0" dirty="0" err="1" smtClean="0"/>
+              <a:t>two</a:t>
+            </a:r>
+            <a:r>
+              <a:rPr lang="sv-SE" baseline="0" dirty="0" smtClean="0"/>
+              <a:t> </a:t>
+            </a:r>
+            <a:r>
+              <a:rPr lang="sv-SE" baseline="0" dirty="0" err="1" smtClean="0"/>
+              <a:t>words</a:t>
+            </a:r>
+            <a:endParaRPr lang="sv-SE" baseline="0" dirty="0" smtClean="0"/>
+          </a:p>
+          <a:p>
+            <a:pPr>
+              <a:buFont typeface="Arial" charset="0"/>
+              <a:buChar char="•"/>
+            </a:pPr>
+            <a:r>
+              <a:rPr lang="sv-SE" baseline="0" dirty="0" err="1" smtClean="0"/>
+              <a:t>Each</a:t>
+            </a:r>
+            <a:r>
+              <a:rPr lang="sv-SE" baseline="0" dirty="0" smtClean="0"/>
+              <a:t> </a:t>
+            </a:r>
+            <a:r>
+              <a:rPr lang="sv-SE" baseline="0" dirty="0" err="1" smtClean="0"/>
+              <a:t>uni-</a:t>
+            </a:r>
+            <a:r>
+              <a:rPr lang="sv-SE" baseline="0" dirty="0" smtClean="0"/>
+              <a:t>, bi and </a:t>
+            </a:r>
+            <a:r>
+              <a:rPr lang="sv-SE" baseline="0" dirty="0" err="1" smtClean="0"/>
+              <a:t>trigram</a:t>
+            </a:r>
+            <a:r>
+              <a:rPr lang="sv-SE" baseline="0" dirty="0" smtClean="0"/>
+              <a:t> </a:t>
+            </a:r>
+            <a:r>
+              <a:rPr lang="sv-SE" baseline="0" dirty="0" err="1" smtClean="0"/>
+              <a:t>generated</a:t>
+            </a:r>
+            <a:r>
+              <a:rPr lang="sv-SE" baseline="0" dirty="0" smtClean="0"/>
+              <a:t> is </a:t>
+            </a:r>
+            <a:r>
+              <a:rPr lang="sv-SE" baseline="0" dirty="0" err="1" smtClean="0"/>
+              <a:t>considered</a:t>
+            </a:r>
+            <a:r>
+              <a:rPr lang="sv-SE" baseline="0" dirty="0" smtClean="0"/>
+              <a:t> </a:t>
+            </a:r>
+            <a:r>
+              <a:rPr lang="sv-SE" baseline="0" dirty="0" err="1" smtClean="0"/>
+              <a:t>one</a:t>
+            </a:r>
+            <a:r>
+              <a:rPr lang="sv-SE" baseline="0" dirty="0" smtClean="0"/>
+              <a:t> </a:t>
+            </a:r>
+            <a:r>
+              <a:rPr lang="sv-SE" baseline="0" dirty="0" err="1" smtClean="0"/>
+              <a:t>attribute</a:t>
+            </a:r>
+            <a:endParaRPr lang="sv-SE" dirty="0"/>
+          </a:p>
+        </p:txBody>
+      </p:sp>
+      <p:sp>
+        <p:nvSpPr>
+          <p:cNvPr id="4" name="Platshållare för bildnummer 3"/>
+          <p:cNvSpPr>
+            <a:spLocks noGrp="1"/>
+          </p:cNvSpPr>
+          <p:nvPr>
+            <p:ph type="sldNum" sz="quarter" idx="10"/>
+          </p:nvPr>
+        </p:nvSpPr>
+        <p:spPr/>
+        <p:txBody>
+          <a:bodyPr/>
+          <a:lstStyle/>
+          <a:p>
+            <a:fld id="{CC8BC763-A577-4139-9468-42C163C5ADDC}" type="slidenum">
+              <a:rPr lang="sv-SE" smtClean="0"/>
+              <a:pPr/>
+              <a:t>8</a:t>
+            </a:fld>
+            <a:endParaRPr lang="sv-SE"/>
+          </a:p>
+        </p:txBody>
+      </p:sp>
+    </p:spTree>
+  </p:cSld>
+  <p:clrMapOvr>
+    <a:masterClrMapping/>
+  </p:clrMapOvr>
+</p:notes>
+</file>
+
+<file path=ppt/notesSlides/notesSlide5.xml><?xml version="1.0" encoding="utf-8"?>
+<p:notes xmlns:a="http://schemas.openxmlformats.org/drawingml/2006/main" xmlns:r="http://schemas.openxmlformats.org/officeDocument/2006/relationships" xmlns:p="http://schemas.openxmlformats.org/presentationml/2006/main">
+  <p:cSld>
+    <p:spTree>
+      <p:nvGrpSpPr>
+        <p:cNvPr id="1" name=""/>
+        <p:cNvGrpSpPr/>
+        <p:nvPr/>
+      </p:nvGrpSpPr>
+      <p:grpSpPr>
+        <a:xfrm>
+          <a:off x="0" y="0"/>
+          <a:ext cx="0" cy="0"/>
+          <a:chOff x="0" y="0"/>
+          <a:chExt cx="0" cy="0"/>
+        </a:xfrm>
+      </p:grpSpPr>
+      <p:sp>
+        <p:nvSpPr>
+          <p:cNvPr id="2" name="Platshållare för bildobjekt 1"/>
+          <p:cNvSpPr>
+            <a:spLocks noGrp="1" noRot="1" noChangeAspect="1"/>
+          </p:cNvSpPr>
+          <p:nvPr>
+            <p:ph type="sldImg"/>
+          </p:nvPr>
+        </p:nvSpPr>
+        <p:spPr/>
+      </p:sp>
+      <p:sp>
+        <p:nvSpPr>
+          <p:cNvPr id="3" name="Platshållare för anteckningar 2"/>
+          <p:cNvSpPr>
+            <a:spLocks noGrp="1"/>
+          </p:cNvSpPr>
+          <p:nvPr>
+            <p:ph type="body" idx="1"/>
+          </p:nvPr>
+        </p:nvSpPr>
+        <p:spPr/>
+        <p:txBody>
+          <a:bodyPr>
+            <a:normAutofit/>
+          </a:bodyPr>
+          <a:lstStyle/>
+          <a:p>
+            <a:r>
+              <a:rPr lang="en-US" noProof="0" dirty="0" smtClean="0"/>
+              <a:t>Stop words: Words which have</a:t>
+            </a:r>
+            <a:r>
+              <a:rPr lang="en-US" baseline="0" noProof="0" dirty="0" smtClean="0"/>
+              <a:t> little information content and are unlikely to help with text mining -&gt; Are therefore removed</a:t>
+            </a:r>
+          </a:p>
+          <a:p>
+            <a:r>
+              <a:rPr lang="en-US" baseline="0" noProof="0" dirty="0" smtClean="0"/>
+              <a:t>Stop words within </a:t>
+            </a:r>
+            <a:r>
+              <a:rPr lang="en-US" baseline="0" noProof="0" dirty="0" err="1" smtClean="0"/>
+              <a:t>frases</a:t>
+            </a:r>
+            <a:r>
+              <a:rPr lang="en-US" baseline="0" noProof="0" dirty="0" smtClean="0"/>
+              <a:t> are in most cases retained (”to the”, a bigram, can also be removed)</a:t>
+            </a:r>
+          </a:p>
+          <a:p>
+            <a:endParaRPr lang="en-US" noProof="0" dirty="0" smtClean="0"/>
+          </a:p>
+          <a:p>
+            <a:r>
+              <a:rPr lang="en-US" noProof="0" dirty="0" smtClean="0"/>
+              <a:t>Stemming</a:t>
+            </a:r>
+            <a:r>
+              <a:rPr lang="en-US" baseline="0" noProof="0" dirty="0" smtClean="0"/>
+              <a:t> has the disadvantage of discarding linguistic information</a:t>
+            </a:r>
+          </a:p>
+          <a:p>
+            <a:r>
+              <a:rPr lang="en-US" baseline="0" noProof="0" dirty="0" smtClean="0"/>
+              <a:t>Reduces the set of words -&gt; Reduced dimensionality</a:t>
+            </a:r>
+          </a:p>
+        </p:txBody>
+      </p:sp>
+      <p:sp>
+        <p:nvSpPr>
+          <p:cNvPr id="4" name="Platshållare för bildnummer 3"/>
+          <p:cNvSpPr>
+            <a:spLocks noGrp="1"/>
+          </p:cNvSpPr>
+          <p:nvPr>
+            <p:ph type="sldNum" sz="quarter" idx="10"/>
+          </p:nvPr>
+        </p:nvSpPr>
+        <p:spPr/>
+        <p:txBody>
+          <a:bodyPr/>
+          <a:lstStyle/>
+          <a:p>
+            <a:fld id="{CC8BC763-A577-4139-9468-42C163C5ADDC}" type="slidenum">
+              <a:rPr lang="sv-SE" smtClean="0"/>
+              <a:pPr/>
+              <a:t>9</a:t>
+            </a:fld>
+            <a:endParaRPr lang="sv-SE"/>
+          </a:p>
+        </p:txBody>
+      </p:sp>
+    </p:spTree>
+  </p:cSld>
+  <p:clrMapOvr>
+    <a:masterClrMapping/>
+  </p:clrMapOvr>
+</p:notes>
+</file>
+
+<file path=ppt/notesSlides/notesSlide6.xml><?xml version="1.0" encoding="utf-8"?>
+<p:notes xmlns:a="http://schemas.openxmlformats.org/drawingml/2006/main" xmlns:r="http://schemas.openxmlformats.org/officeDocument/2006/relationships" xmlns:p="http://schemas.openxmlformats.org/presentationml/2006/main">
+  <p:cSld>
+    <p:spTree>
+      <p:nvGrpSpPr>
+        <p:cNvPr id="1" name=""/>
+        <p:cNvGrpSpPr/>
+        <p:nvPr/>
+      </p:nvGrpSpPr>
+      <p:grpSpPr>
+        <a:xfrm>
+          <a:off x="0" y="0"/>
+          <a:ext cx="0" cy="0"/>
+          <a:chOff x="0" y="0"/>
+          <a:chExt cx="0" cy="0"/>
+        </a:xfrm>
+      </p:grpSpPr>
+      <p:sp>
+        <p:nvSpPr>
+          <p:cNvPr id="2" name="Platshållare för bildobjekt 1"/>
+          <p:cNvSpPr>
+            <a:spLocks noGrp="1" noRot="1" noChangeAspect="1"/>
+          </p:cNvSpPr>
+          <p:nvPr>
+            <p:ph type="sldImg"/>
+          </p:nvPr>
+        </p:nvSpPr>
+        <p:spPr/>
+      </p:sp>
+      <p:sp>
+        <p:nvSpPr>
+          <p:cNvPr id="3" name="Platshållare för anteckningar 2"/>
+          <p:cNvSpPr>
+            <a:spLocks noGrp="1"/>
+          </p:cNvSpPr>
+          <p:nvPr>
+            <p:ph type="body" idx="1"/>
+          </p:nvPr>
+        </p:nvSpPr>
+        <p:spPr/>
+        <p:txBody>
+          <a:bodyPr>
+            <a:normAutofit/>
+          </a:bodyPr>
+          <a:lstStyle/>
+          <a:p>
+            <a:pPr marL="0" marR="0" indent="0" algn="l" defTabSz="914400" rtl="0" eaLnBrk="1" fontAlgn="auto" latinLnBrk="0" hangingPunct="1">
+              <a:lnSpc>
+                <a:spcPct val="100000"/>
+              </a:lnSpc>
+              <a:spcBef>
+                <a:spcPts val="0"/>
+              </a:spcBef>
+              <a:spcAft>
+                <a:spcPts val="0"/>
+              </a:spcAft>
+              <a:buClrTx/>
+              <a:buSzTx/>
+              <a:buFontTx/>
+              <a:buNone/>
+              <a:tabLst/>
+              <a:defRPr/>
+            </a:pPr>
+            <a:r>
+              <a:rPr lang="en-US" noProof="0" dirty="0" smtClean="0"/>
+              <a:t>Are different types of stemming algorithms, one of the most common</a:t>
+            </a:r>
+            <a:r>
+              <a:rPr lang="en-US" baseline="0" noProof="0" dirty="0" smtClean="0"/>
+              <a:t> are Porter’s algorithm.  </a:t>
+            </a:r>
+            <a:endParaRPr lang="en-US" noProof="0" dirty="0" smtClean="0"/>
+          </a:p>
+          <a:p>
+            <a:endParaRPr lang="en-US" noProof="0" dirty="0" smtClean="0"/>
+          </a:p>
+          <a:p>
+            <a:r>
+              <a:rPr lang="en-US" noProof="0" dirty="0" smtClean="0"/>
+              <a:t>Step by step, removes</a:t>
+            </a:r>
+            <a:r>
+              <a:rPr lang="en-US" baseline="0" noProof="0" dirty="0" smtClean="0"/>
+              <a:t> suffixes to bring variant forms of a word together</a:t>
+            </a:r>
+            <a:endParaRPr lang="en-US" noProof="0" dirty="0"/>
+          </a:p>
+        </p:txBody>
+      </p:sp>
+      <p:sp>
+        <p:nvSpPr>
+          <p:cNvPr id="4" name="Platshållare för bildnummer 3"/>
+          <p:cNvSpPr>
+            <a:spLocks noGrp="1"/>
+          </p:cNvSpPr>
+          <p:nvPr>
+            <p:ph type="sldNum" sz="quarter" idx="10"/>
+          </p:nvPr>
+        </p:nvSpPr>
+        <p:spPr/>
+        <p:txBody>
+          <a:bodyPr/>
+          <a:lstStyle/>
+          <a:p>
+            <a:fld id="{CC8BC763-A577-4139-9468-42C163C5ADDC}" type="slidenum">
+              <a:rPr lang="sv-SE" smtClean="0"/>
+              <a:pPr/>
+              <a:t>10</a:t>
+            </a:fld>
+            <a:endParaRPr lang="sv-SE"/>
+          </a:p>
+        </p:txBody>
+      </p:sp>
+    </p:spTree>
+  </p:cSld>
+  <p:clrMapOvr>
+    <a:masterClrMapping/>
+  </p:clrMapOvr>
+</p:notes>
+</file>
+
+<file path=ppt/notesSlides/notesSlide7.xml><?xml version="1.0" encoding="utf-8"?>
+<p:notes xmlns:a="http://schemas.openxmlformats.org/drawingml/2006/main" xmlns:r="http://schemas.openxmlformats.org/officeDocument/2006/relationships" xmlns:p="http://schemas.openxmlformats.org/presentationml/2006/main">
+  <p:cSld>
+    <p:spTree>
+      <p:nvGrpSpPr>
+        <p:cNvPr id="1" name=""/>
+        <p:cNvGrpSpPr/>
+        <p:nvPr/>
+      </p:nvGrpSpPr>
+      <p:grpSpPr>
+        <a:xfrm>
+          <a:off x="0" y="0"/>
+          <a:ext cx="0" cy="0"/>
+          <a:chOff x="0" y="0"/>
+          <a:chExt cx="0" cy="0"/>
+        </a:xfrm>
+      </p:grpSpPr>
+      <p:sp>
+        <p:nvSpPr>
+          <p:cNvPr id="2" name="Platshållare för bildobjekt 1"/>
+          <p:cNvSpPr>
+            <a:spLocks noGrp="1" noRot="1" noChangeAspect="1"/>
+          </p:cNvSpPr>
+          <p:nvPr>
+            <p:ph type="sldImg"/>
+          </p:nvPr>
+        </p:nvSpPr>
+        <p:spPr/>
+      </p:sp>
+      <p:sp>
+        <p:nvSpPr>
+          <p:cNvPr id="3" name="Platshållare för anteckningar 2"/>
+          <p:cNvSpPr>
+            <a:spLocks noGrp="1"/>
+          </p:cNvSpPr>
+          <p:nvPr>
+            <p:ph type="body" idx="1"/>
+          </p:nvPr>
+        </p:nvSpPr>
+        <p:spPr/>
+        <p:txBody>
+          <a:bodyPr>
+            <a:normAutofit/>
+          </a:bodyPr>
+          <a:lstStyle/>
+          <a:p>
+            <a:pPr>
+              <a:buFont typeface="Arial" charset="0"/>
+              <a:buChar char="•"/>
+            </a:pPr>
+            <a:r>
+              <a:rPr lang="en-US" noProof="0" dirty="0" smtClean="0"/>
+              <a:t>Time-series for analyzing the increase of tweets that</a:t>
+            </a:r>
+            <a:r>
+              <a:rPr lang="en-US" baseline="0" noProof="0" dirty="0" smtClean="0"/>
+              <a:t> mentioned Ebola.</a:t>
+            </a:r>
+            <a:r>
+              <a:rPr lang="en-US" noProof="0" dirty="0" smtClean="0"/>
+              <a:t> </a:t>
+            </a:r>
+          </a:p>
+          <a:p>
+            <a:pPr>
+              <a:buFont typeface="Arial" charset="0"/>
+              <a:buChar char="•"/>
+            </a:pPr>
+            <a:r>
+              <a:rPr lang="en-US" noProof="0" dirty="0" smtClean="0"/>
+              <a:t>It is clear that the number of tweets mentioning</a:t>
+            </a:r>
+            <a:r>
+              <a:rPr lang="en-US" baseline="0" noProof="0" dirty="0" smtClean="0"/>
+              <a:t> Ebola increased rapidly during the time for the study. </a:t>
+            </a:r>
+          </a:p>
+          <a:p>
+            <a:pPr>
+              <a:buFont typeface="Arial" charset="0"/>
+              <a:buNone/>
+            </a:pPr>
+            <a:endParaRPr lang="sv-SE" dirty="0"/>
+          </a:p>
+        </p:txBody>
+      </p:sp>
+      <p:sp>
+        <p:nvSpPr>
+          <p:cNvPr id="4" name="Platshållare för bildnummer 3"/>
+          <p:cNvSpPr>
+            <a:spLocks noGrp="1"/>
+          </p:cNvSpPr>
+          <p:nvPr>
+            <p:ph type="sldNum" sz="quarter" idx="10"/>
+          </p:nvPr>
+        </p:nvSpPr>
+        <p:spPr/>
+        <p:txBody>
+          <a:bodyPr/>
+          <a:lstStyle/>
+          <a:p>
+            <a:fld id="{CC8BC763-A577-4139-9468-42C163C5ADDC}" type="slidenum">
+              <a:rPr lang="sv-SE" smtClean="0"/>
+              <a:pPr/>
+              <a:t>11</a:t>
+            </a:fld>
+            <a:endParaRPr lang="sv-SE"/>
+          </a:p>
+        </p:txBody>
+      </p:sp>
+    </p:spTree>
+  </p:cSld>
+  <p:clrMapOvr>
+    <a:masterClrMapping/>
+  </p:clrMapOvr>
+</p:notes>
+</file>
+
+<file path=ppt/notesSlides/notesSlide8.xml><?xml version="1.0" encoding="utf-8"?>
+<p:notes xmlns:a="http://schemas.openxmlformats.org/drawingml/2006/main" xmlns:r="http://schemas.openxmlformats.org/officeDocument/2006/relationships" xmlns:p="http://schemas.openxmlformats.org/presentationml/2006/main">
+  <p:cSld>
+    <p:spTree>
+      <p:nvGrpSpPr>
+        <p:cNvPr id="1" name=""/>
+        <p:cNvGrpSpPr/>
+        <p:nvPr/>
+      </p:nvGrpSpPr>
+      <p:grpSpPr>
+        <a:xfrm>
+          <a:off x="0" y="0"/>
+          <a:ext cx="0" cy="0"/>
+          <a:chOff x="0" y="0"/>
+          <a:chExt cx="0" cy="0"/>
+        </a:xfrm>
+      </p:grpSpPr>
+      <p:sp>
+        <p:nvSpPr>
+          <p:cNvPr id="2" name="Platshållare för bildobjekt 1"/>
+          <p:cNvSpPr>
+            <a:spLocks noGrp="1" noRot="1" noChangeAspect="1"/>
+          </p:cNvSpPr>
+          <p:nvPr>
+            <p:ph type="sldImg"/>
+          </p:nvPr>
+        </p:nvSpPr>
+        <p:spPr/>
+      </p:sp>
+      <p:sp>
+        <p:nvSpPr>
+          <p:cNvPr id="3" name="Platshållare för anteckningar 2"/>
+          <p:cNvSpPr>
+            <a:spLocks noGrp="1"/>
+          </p:cNvSpPr>
+          <p:nvPr>
+            <p:ph type="body" idx="1"/>
+          </p:nvPr>
+        </p:nvSpPr>
+        <p:spPr/>
+        <p:txBody>
+          <a:bodyPr>
+            <a:normAutofit/>
+          </a:bodyPr>
+          <a:lstStyle/>
+          <a:p>
+            <a:r>
+              <a:rPr lang="en-US" noProof="0" dirty="0" smtClean="0"/>
+              <a:t>N-grams</a:t>
+            </a:r>
+            <a:r>
+              <a:rPr lang="en-US" baseline="0" noProof="0" dirty="0" smtClean="0"/>
+              <a:t> were computed and clustered by K-means – Size of chart bubbles represent the relative frequency of the n-gram. </a:t>
+            </a:r>
+            <a:endParaRPr lang="en-US" noProof="0" dirty="0" smtClean="0"/>
+          </a:p>
+          <a:p>
+            <a:r>
+              <a:rPr lang="en-US" noProof="0" dirty="0" smtClean="0"/>
+              <a:t>Four main public topics of concern were discussed:</a:t>
+            </a:r>
+          </a:p>
+          <a:p>
+            <a:pPr>
+              <a:buFont typeface="Arial" charset="0"/>
+              <a:buChar char="•"/>
+            </a:pPr>
+            <a:r>
+              <a:rPr lang="en-US" baseline="0" noProof="0" dirty="0" smtClean="0"/>
+              <a:t>Risk factors: Cause of the virus (transmission, infection) – The blue cluster</a:t>
+            </a:r>
+          </a:p>
+          <a:p>
+            <a:pPr>
+              <a:buFont typeface="Arial" charset="0"/>
+              <a:buChar char="•"/>
+            </a:pPr>
+            <a:r>
+              <a:rPr lang="en-US" baseline="0" noProof="0" dirty="0" smtClean="0"/>
+              <a:t>Prevention education: Health information (prevention methods, signs, symptoms) – The orange cluster</a:t>
+            </a:r>
+          </a:p>
+          <a:p>
+            <a:pPr>
+              <a:buFont typeface="Arial" charset="0"/>
+              <a:buChar char="•"/>
+            </a:pPr>
+            <a:r>
+              <a:rPr lang="en-US" baseline="0" noProof="0" dirty="0" smtClean="0"/>
+              <a:t>Disease trends: Spread and location (names of locations, information about spread) – The green cluster</a:t>
+            </a:r>
+          </a:p>
+          <a:p>
+            <a:pPr>
+              <a:buFont typeface="Arial" charset="0"/>
+              <a:buChar char="•"/>
+            </a:pPr>
+            <a:r>
+              <a:rPr lang="en-US" baseline="0" noProof="0" dirty="0" smtClean="0"/>
+              <a:t>Compassion: Prays for countries in Africa – The red cluster</a:t>
+            </a:r>
+            <a:endParaRPr lang="en-US" noProof="0" dirty="0"/>
+          </a:p>
+        </p:txBody>
+      </p:sp>
+      <p:sp>
+        <p:nvSpPr>
+          <p:cNvPr id="4" name="Platshållare för bildnummer 3"/>
+          <p:cNvSpPr>
+            <a:spLocks noGrp="1"/>
+          </p:cNvSpPr>
+          <p:nvPr>
+            <p:ph type="sldNum" sz="quarter" idx="10"/>
+          </p:nvPr>
+        </p:nvSpPr>
+        <p:spPr/>
+        <p:txBody>
+          <a:bodyPr/>
+          <a:lstStyle/>
+          <a:p>
+            <a:fld id="{CC8BC763-A577-4139-9468-42C163C5ADDC}" type="slidenum">
+              <a:rPr lang="sv-SE" smtClean="0"/>
+              <a:pPr/>
+              <a:t>12</a:t>
+            </a:fld>
+            <a:endParaRPr lang="sv-SE"/>
+          </a:p>
+        </p:txBody>
+      </p:sp>
+    </p:spTree>
+  </p:cSld>
+  <p:clrMapOvr>
+    <a:masterClrMapping/>
+  </p:clrMapOvr>
+</p:notes>
+</file>
+
+<file path=ppt/notesSlides/notesSlide9.xml><?xml version="1.0" encoding="utf-8"?>
+<p:notes xmlns:a="http://schemas.openxmlformats.org/drawingml/2006/main" xmlns:r="http://schemas.openxmlformats.org/officeDocument/2006/relationships" xmlns:p="http://schemas.openxmlformats.org/presentationml/2006/main">
+  <p:cSld>
+    <p:spTree>
+      <p:nvGrpSpPr>
+        <p:cNvPr id="1" name=""/>
+        <p:cNvGrpSpPr/>
+        <p:nvPr/>
+      </p:nvGrpSpPr>
+      <p:grpSpPr>
+        <a:xfrm>
+          <a:off x="0" y="0"/>
+          <a:ext cx="0" cy="0"/>
+          <a:chOff x="0" y="0"/>
+          <a:chExt cx="0" cy="0"/>
+        </a:xfrm>
+      </p:grpSpPr>
+      <p:sp>
+        <p:nvSpPr>
+          <p:cNvPr id="2" name="Platshållare för bildobjekt 1"/>
+          <p:cNvSpPr>
+            <a:spLocks noGrp="1" noRot="1" noChangeAspect="1"/>
+          </p:cNvSpPr>
+          <p:nvPr>
+            <p:ph type="sldImg"/>
+          </p:nvPr>
+        </p:nvSpPr>
+        <p:spPr/>
+      </p:sp>
+      <p:sp>
+        <p:nvSpPr>
+          <p:cNvPr id="3" name="Platshållare för anteckningar 2"/>
+          <p:cNvSpPr>
+            <a:spLocks noGrp="1"/>
+          </p:cNvSpPr>
+          <p:nvPr>
+            <p:ph type="body" idx="1"/>
+          </p:nvPr>
+        </p:nvSpPr>
+        <p:spPr/>
+        <p:txBody>
+          <a:bodyPr>
+            <a:normAutofit/>
+          </a:bodyPr>
+          <a:lstStyle/>
+          <a:p>
+            <a:r>
+              <a:rPr lang="sv-SE" u="sng" dirty="0" smtClean="0"/>
+              <a:t>Sentiment </a:t>
+            </a:r>
+            <a:r>
+              <a:rPr lang="sv-SE" u="sng" dirty="0" err="1" smtClean="0"/>
+              <a:t>analysis</a:t>
+            </a:r>
+            <a:r>
+              <a:rPr lang="sv-SE" dirty="0" smtClean="0"/>
+              <a:t>: </a:t>
+            </a:r>
+            <a:r>
+              <a:rPr lang="sv-SE" dirty="0" err="1" smtClean="0"/>
+              <a:t>Field</a:t>
+            </a:r>
+            <a:r>
+              <a:rPr lang="sv-SE" dirty="0" smtClean="0"/>
+              <a:t> of </a:t>
+            </a:r>
+            <a:r>
+              <a:rPr lang="sv-SE" dirty="0" err="1" smtClean="0"/>
+              <a:t>study</a:t>
+            </a:r>
+            <a:r>
+              <a:rPr lang="sv-SE" dirty="0" smtClean="0"/>
+              <a:t> that </a:t>
+            </a:r>
+            <a:r>
+              <a:rPr lang="sv-SE" dirty="0" err="1" smtClean="0"/>
+              <a:t>analyzes</a:t>
+            </a:r>
+            <a:r>
+              <a:rPr lang="sv-SE" dirty="0" smtClean="0"/>
+              <a:t> </a:t>
+            </a:r>
+            <a:r>
+              <a:rPr lang="sv-SE" dirty="0" err="1" smtClean="0"/>
+              <a:t>peoples</a:t>
+            </a:r>
+            <a:r>
+              <a:rPr lang="sv-SE" dirty="0" smtClean="0"/>
+              <a:t> </a:t>
+            </a:r>
+            <a:r>
+              <a:rPr lang="sv-SE" dirty="0" err="1" smtClean="0"/>
+              <a:t>opinons</a:t>
+            </a:r>
+            <a:r>
+              <a:rPr lang="sv-SE" baseline="0" dirty="0" smtClean="0"/>
+              <a:t>, sentiments, </a:t>
+            </a:r>
+            <a:r>
+              <a:rPr lang="sv-SE" baseline="0" dirty="0" err="1" smtClean="0"/>
+              <a:t>evaluations</a:t>
+            </a:r>
+            <a:r>
+              <a:rPr lang="sv-SE" baseline="0" dirty="0" smtClean="0"/>
+              <a:t>, </a:t>
+            </a:r>
+            <a:r>
+              <a:rPr lang="sv-SE" baseline="0" dirty="0" err="1" smtClean="0"/>
+              <a:t>appraises</a:t>
+            </a:r>
+            <a:r>
+              <a:rPr lang="sv-SE" baseline="0" dirty="0" smtClean="0"/>
+              <a:t>, </a:t>
+            </a:r>
+            <a:r>
+              <a:rPr lang="sv-SE" baseline="0" dirty="0" err="1" smtClean="0"/>
+              <a:t>attitudes</a:t>
+            </a:r>
+            <a:r>
+              <a:rPr lang="sv-SE" baseline="0" dirty="0" smtClean="0"/>
+              <a:t> and emotions </a:t>
+            </a:r>
+            <a:r>
+              <a:rPr lang="sv-SE" baseline="0" dirty="0" err="1" smtClean="0"/>
+              <a:t>towars</a:t>
+            </a:r>
+            <a:r>
+              <a:rPr lang="sv-SE" baseline="0" dirty="0" smtClean="0"/>
+              <a:t> </a:t>
+            </a:r>
+            <a:r>
+              <a:rPr lang="sv-SE" baseline="0" dirty="0" err="1" smtClean="0"/>
+              <a:t>entities</a:t>
+            </a:r>
+            <a:r>
+              <a:rPr lang="sv-SE" baseline="0" dirty="0" smtClean="0"/>
+              <a:t>. In this </a:t>
+            </a:r>
+            <a:r>
+              <a:rPr lang="sv-SE" baseline="0" dirty="0" err="1" smtClean="0"/>
+              <a:t>example</a:t>
+            </a:r>
+            <a:r>
+              <a:rPr lang="sv-SE" baseline="0" dirty="0" smtClean="0"/>
+              <a:t> sentiment </a:t>
+            </a:r>
+            <a:r>
+              <a:rPr lang="sv-SE" baseline="0" dirty="0" err="1" smtClean="0"/>
+              <a:t>polarity</a:t>
+            </a:r>
+            <a:r>
+              <a:rPr lang="sv-SE" baseline="0" dirty="0" smtClean="0"/>
+              <a:t> </a:t>
+            </a:r>
+            <a:r>
+              <a:rPr lang="sv-SE" baseline="0" dirty="0" err="1" smtClean="0"/>
+              <a:t>towars</a:t>
+            </a:r>
+            <a:r>
+              <a:rPr lang="sv-SE" baseline="0" dirty="0" smtClean="0"/>
+              <a:t> </a:t>
+            </a:r>
+            <a:r>
+              <a:rPr lang="sv-SE" baseline="0" dirty="0" err="1" smtClean="0"/>
+              <a:t>candidates</a:t>
+            </a:r>
+            <a:r>
+              <a:rPr lang="sv-SE" baseline="0" dirty="0" smtClean="0"/>
+              <a:t> and </a:t>
+            </a:r>
+            <a:r>
+              <a:rPr lang="sv-SE" baseline="0" dirty="0" err="1" smtClean="0"/>
+              <a:t>keywords</a:t>
+            </a:r>
+            <a:r>
+              <a:rPr lang="sv-SE" baseline="0" dirty="0" smtClean="0"/>
+              <a:t>.</a:t>
+            </a:r>
+          </a:p>
+          <a:p>
+            <a:r>
+              <a:rPr lang="sv-SE" u="sng" baseline="0" dirty="0" err="1" smtClean="0"/>
+              <a:t>Score.polarity</a:t>
+            </a:r>
+            <a:r>
+              <a:rPr lang="sv-SE" baseline="0" dirty="0" smtClean="0"/>
+              <a:t>: </a:t>
+            </a:r>
+            <a:r>
+              <a:rPr lang="sv-SE" baseline="0" dirty="0" err="1" smtClean="0"/>
+              <a:t>Uses</a:t>
+            </a:r>
+            <a:r>
+              <a:rPr lang="sv-SE" baseline="0" dirty="0" smtClean="0"/>
+              <a:t> a list of positive and negative opinion </a:t>
+            </a:r>
+            <a:r>
+              <a:rPr lang="sv-SE" baseline="0" dirty="0" err="1" smtClean="0"/>
+              <a:t>words</a:t>
+            </a:r>
+            <a:r>
+              <a:rPr lang="sv-SE" baseline="0" dirty="0" smtClean="0"/>
+              <a:t> or sentiment </a:t>
+            </a:r>
+            <a:r>
+              <a:rPr lang="sv-SE" baseline="0" dirty="0" err="1" smtClean="0"/>
+              <a:t>words</a:t>
+            </a:r>
+            <a:r>
+              <a:rPr lang="sv-SE" baseline="0" dirty="0" smtClean="0"/>
+              <a:t> in English. The </a:t>
+            </a:r>
+            <a:r>
+              <a:rPr lang="sv-SE" baseline="0" dirty="0" err="1" smtClean="0"/>
+              <a:t>score</a:t>
+            </a:r>
+            <a:r>
+              <a:rPr lang="sv-SE" baseline="0" dirty="0" smtClean="0"/>
+              <a:t> is </a:t>
+            </a:r>
+            <a:r>
+              <a:rPr lang="sv-SE" baseline="0" dirty="0" err="1" smtClean="0"/>
+              <a:t>computed</a:t>
+            </a:r>
+            <a:r>
+              <a:rPr lang="sv-SE" baseline="0" dirty="0" smtClean="0"/>
+              <a:t> </a:t>
+            </a:r>
+            <a:r>
+              <a:rPr lang="sv-SE" baseline="0" dirty="0" err="1" smtClean="0"/>
+              <a:t>based</a:t>
+            </a:r>
+            <a:r>
+              <a:rPr lang="sv-SE" baseline="0" dirty="0" smtClean="0"/>
+              <a:t> on the </a:t>
+            </a:r>
+            <a:r>
+              <a:rPr lang="sv-SE" baseline="0" dirty="0" err="1" smtClean="0"/>
+              <a:t>difference</a:t>
+            </a:r>
+            <a:r>
+              <a:rPr lang="sv-SE" baseline="0" dirty="0" smtClean="0"/>
+              <a:t> </a:t>
+            </a:r>
+            <a:r>
+              <a:rPr lang="sv-SE" baseline="0" dirty="0" err="1" smtClean="0"/>
+              <a:t>between</a:t>
+            </a:r>
+            <a:r>
+              <a:rPr lang="sv-SE" baseline="0" dirty="0" smtClean="0"/>
+              <a:t> the </a:t>
+            </a:r>
+            <a:r>
+              <a:rPr lang="sv-SE" baseline="0" dirty="0" err="1" smtClean="0"/>
+              <a:t>number</a:t>
+            </a:r>
+            <a:r>
+              <a:rPr lang="sv-SE" baseline="0" dirty="0" smtClean="0"/>
+              <a:t> of </a:t>
+            </a:r>
+            <a:r>
+              <a:rPr lang="sv-SE" baseline="0" dirty="0" err="1" smtClean="0"/>
+              <a:t>positve</a:t>
+            </a:r>
+            <a:r>
+              <a:rPr lang="sv-SE" baseline="0" dirty="0" smtClean="0"/>
+              <a:t> and negative </a:t>
+            </a:r>
+            <a:r>
+              <a:rPr lang="sv-SE" baseline="0" dirty="0" err="1" smtClean="0"/>
+              <a:t>words</a:t>
+            </a:r>
+            <a:r>
+              <a:rPr lang="sv-SE" baseline="0" dirty="0" smtClean="0"/>
+              <a:t> in the </a:t>
+            </a:r>
+            <a:r>
+              <a:rPr lang="sv-SE" baseline="0" dirty="0" err="1" smtClean="0"/>
+              <a:t>tweet</a:t>
+            </a:r>
+            <a:r>
+              <a:rPr lang="sv-SE" baseline="0" dirty="0" smtClean="0"/>
+              <a:t>. Words are </a:t>
+            </a:r>
+            <a:r>
+              <a:rPr lang="sv-SE" baseline="0" dirty="0" err="1" smtClean="0"/>
+              <a:t>manually</a:t>
+            </a:r>
+            <a:r>
+              <a:rPr lang="sv-SE" baseline="0" dirty="0" smtClean="0"/>
+              <a:t> </a:t>
+            </a:r>
+            <a:r>
+              <a:rPr lang="sv-SE" baseline="0" dirty="0" err="1" smtClean="0"/>
+              <a:t>selected</a:t>
+            </a:r>
+            <a:r>
+              <a:rPr lang="sv-SE" baseline="0" dirty="0" smtClean="0"/>
+              <a:t> and </a:t>
+            </a:r>
+            <a:r>
+              <a:rPr lang="sv-SE" baseline="0" dirty="0" err="1" smtClean="0"/>
+              <a:t>graded</a:t>
+            </a:r>
+            <a:r>
+              <a:rPr lang="sv-SE" baseline="0" dirty="0" smtClean="0"/>
+              <a:t> by a human </a:t>
+            </a:r>
+            <a:r>
+              <a:rPr lang="sv-SE" baseline="0" dirty="0" err="1" smtClean="0"/>
+              <a:t>judge</a:t>
+            </a:r>
+            <a:r>
+              <a:rPr lang="sv-SE" baseline="0" dirty="0" smtClean="0"/>
+              <a:t>.</a:t>
+            </a:r>
+          </a:p>
+          <a:p>
+            <a:r>
+              <a:rPr lang="sv-SE" u="sng" baseline="0" dirty="0" err="1" smtClean="0"/>
+              <a:t>Score.sentiment</a:t>
+            </a:r>
+            <a:r>
+              <a:rPr lang="sv-SE" baseline="0" dirty="0" smtClean="0"/>
+              <a:t>: </a:t>
+            </a:r>
+            <a:r>
+              <a:rPr lang="sv-SE" baseline="0" dirty="0" err="1" smtClean="0"/>
+              <a:t>Metric</a:t>
+            </a:r>
+            <a:r>
+              <a:rPr lang="sv-SE" baseline="0" dirty="0" smtClean="0"/>
+              <a:t> that </a:t>
+            </a:r>
+            <a:r>
+              <a:rPr lang="sv-SE" baseline="0" dirty="0" err="1" smtClean="0"/>
+              <a:t>uses</a:t>
+            </a:r>
+            <a:r>
+              <a:rPr lang="sv-SE" baseline="0" dirty="0" smtClean="0"/>
+              <a:t> the R </a:t>
+            </a:r>
+            <a:r>
+              <a:rPr lang="sv-SE" baseline="0" dirty="0" err="1" smtClean="0"/>
+              <a:t>package</a:t>
+            </a:r>
+            <a:r>
+              <a:rPr lang="sv-SE" baseline="0" dirty="0" smtClean="0"/>
+              <a:t> sentiment to </a:t>
+            </a:r>
+            <a:r>
+              <a:rPr lang="sv-SE" baseline="0" dirty="0" err="1" smtClean="0"/>
+              <a:t>classify</a:t>
+            </a:r>
+            <a:r>
+              <a:rPr lang="sv-SE" baseline="0" dirty="0" smtClean="0"/>
+              <a:t> the </a:t>
+            </a:r>
+            <a:r>
+              <a:rPr lang="sv-SE" baseline="0" dirty="0" err="1" smtClean="0"/>
+              <a:t>polarity</a:t>
+            </a:r>
+            <a:r>
+              <a:rPr lang="sv-SE" baseline="0" dirty="0" smtClean="0"/>
+              <a:t> (positive or negative). It </a:t>
+            </a:r>
+            <a:r>
+              <a:rPr lang="sv-SE" baseline="0" dirty="0" err="1" smtClean="0"/>
+              <a:t>uses</a:t>
+            </a:r>
+            <a:r>
+              <a:rPr lang="sv-SE" baseline="0" dirty="0" smtClean="0"/>
+              <a:t> a naive </a:t>
+            </a:r>
+            <a:r>
+              <a:rPr lang="sv-SE" baseline="0" dirty="0" err="1" smtClean="0"/>
+              <a:t>Bayes</a:t>
+            </a:r>
+            <a:r>
+              <a:rPr lang="sv-SE" baseline="0" dirty="0" smtClean="0"/>
+              <a:t> </a:t>
+            </a:r>
+            <a:r>
+              <a:rPr lang="sv-SE" baseline="0" dirty="0" err="1" smtClean="0"/>
+              <a:t>classifier</a:t>
+            </a:r>
+            <a:r>
+              <a:rPr lang="sv-SE" baseline="0" dirty="0" smtClean="0"/>
+              <a:t> </a:t>
+            </a:r>
+            <a:r>
+              <a:rPr lang="sv-SE" baseline="0" dirty="0" err="1" smtClean="0"/>
+              <a:t>using</a:t>
+            </a:r>
+            <a:r>
+              <a:rPr lang="sv-SE" baseline="0" dirty="0" smtClean="0"/>
+              <a:t> a </a:t>
+            </a:r>
+            <a:r>
+              <a:rPr lang="sv-SE" baseline="0" dirty="0" err="1" smtClean="0"/>
+              <a:t>lexicon</a:t>
+            </a:r>
+            <a:r>
+              <a:rPr lang="sv-SE" baseline="0" dirty="0" smtClean="0"/>
+              <a:t>. </a:t>
+            </a:r>
+            <a:r>
+              <a:rPr lang="sv-SE" baseline="0" dirty="0" err="1" smtClean="0"/>
+              <a:t>Score</a:t>
+            </a:r>
+            <a:r>
+              <a:rPr lang="sv-SE" baseline="0" dirty="0" smtClean="0"/>
+              <a:t> is -1, 0 or 1. </a:t>
+            </a:r>
+            <a:r>
+              <a:rPr lang="sv-SE" baseline="0" dirty="0" err="1" smtClean="0"/>
+              <a:t>Evaluates</a:t>
+            </a:r>
+            <a:r>
+              <a:rPr lang="sv-SE" baseline="0" dirty="0" smtClean="0"/>
+              <a:t> all </a:t>
+            </a:r>
+            <a:r>
+              <a:rPr lang="sv-SE" baseline="0" dirty="0" err="1" smtClean="0"/>
+              <a:t>words</a:t>
+            </a:r>
+            <a:r>
+              <a:rPr lang="sv-SE" baseline="0" dirty="0" smtClean="0"/>
+              <a:t>, not </a:t>
+            </a:r>
+            <a:r>
+              <a:rPr lang="sv-SE" baseline="0" dirty="0" err="1" smtClean="0"/>
+              <a:t>only</a:t>
+            </a:r>
+            <a:r>
+              <a:rPr lang="sv-SE" baseline="0" dirty="0" smtClean="0"/>
+              <a:t> </a:t>
+            </a:r>
+            <a:r>
+              <a:rPr lang="sv-SE" baseline="0" dirty="0" err="1" smtClean="0"/>
+              <a:t>those</a:t>
+            </a:r>
+            <a:r>
+              <a:rPr lang="sv-SE" baseline="0" dirty="0" smtClean="0"/>
+              <a:t> </a:t>
+            </a:r>
+            <a:r>
+              <a:rPr lang="sv-SE" baseline="0" dirty="0" err="1" smtClean="0"/>
+              <a:t>found</a:t>
+            </a:r>
+            <a:r>
+              <a:rPr lang="sv-SE" baseline="0" dirty="0" smtClean="0"/>
+              <a:t> in a </a:t>
+            </a:r>
+            <a:r>
+              <a:rPr lang="sv-SE" baseline="0" dirty="0" err="1" smtClean="0"/>
+              <a:t>specified</a:t>
+            </a:r>
+            <a:r>
+              <a:rPr lang="sv-SE" baseline="0" dirty="0" smtClean="0"/>
+              <a:t> list. </a:t>
+            </a:r>
+          </a:p>
+          <a:p>
+            <a:r>
+              <a:rPr lang="sv-SE" u="sng" baseline="0" dirty="0" err="1" smtClean="0"/>
+              <a:t>Score.afinn</a:t>
+            </a:r>
+            <a:r>
+              <a:rPr lang="sv-SE" baseline="0" dirty="0" smtClean="0"/>
+              <a:t>: </a:t>
+            </a:r>
+            <a:r>
+              <a:rPr lang="sv-SE" baseline="0" dirty="0" err="1" smtClean="0"/>
+              <a:t>Tweet’s</a:t>
+            </a:r>
+            <a:r>
+              <a:rPr lang="sv-SE" baseline="0" dirty="0" smtClean="0"/>
+              <a:t> </a:t>
+            </a:r>
+            <a:r>
+              <a:rPr lang="sv-SE" baseline="0" dirty="0" err="1" smtClean="0"/>
+              <a:t>score</a:t>
+            </a:r>
+            <a:r>
+              <a:rPr lang="sv-SE" baseline="0" dirty="0" smtClean="0"/>
+              <a:t> </a:t>
+            </a:r>
+            <a:r>
+              <a:rPr lang="sv-SE" baseline="0" dirty="0" err="1" smtClean="0"/>
+              <a:t>based</a:t>
+            </a:r>
+            <a:r>
+              <a:rPr lang="sv-SE" baseline="0" dirty="0" smtClean="0"/>
+              <a:t> on the AFINN list, a </a:t>
+            </a:r>
+            <a:r>
+              <a:rPr lang="sv-SE" baseline="0" dirty="0" err="1" smtClean="0"/>
+              <a:t>listof</a:t>
+            </a:r>
+            <a:r>
+              <a:rPr lang="sv-SE" baseline="0" dirty="0" smtClean="0"/>
+              <a:t> English </a:t>
+            </a:r>
+            <a:r>
+              <a:rPr lang="sv-SE" baseline="0" dirty="0" err="1" smtClean="0"/>
+              <a:t>words</a:t>
+            </a:r>
+            <a:r>
+              <a:rPr lang="sv-SE" baseline="0" dirty="0" smtClean="0"/>
+              <a:t> </a:t>
+            </a:r>
+            <a:r>
+              <a:rPr lang="sv-SE" baseline="0" dirty="0" err="1" smtClean="0"/>
+              <a:t>rated</a:t>
+            </a:r>
+            <a:r>
+              <a:rPr lang="sv-SE" baseline="0" dirty="0" smtClean="0"/>
+              <a:t> for </a:t>
+            </a:r>
+            <a:r>
+              <a:rPr lang="sv-SE" baseline="0" dirty="0" err="1" smtClean="0"/>
+              <a:t>valence</a:t>
+            </a:r>
+            <a:r>
+              <a:rPr lang="sv-SE" baseline="0" dirty="0" smtClean="0"/>
+              <a:t> with an </a:t>
+            </a:r>
+            <a:r>
+              <a:rPr lang="sv-SE" baseline="0" dirty="0" err="1" smtClean="0"/>
+              <a:t>integer</a:t>
+            </a:r>
+            <a:r>
+              <a:rPr lang="sv-SE" baseline="0" dirty="0" smtClean="0"/>
+              <a:t> </a:t>
+            </a:r>
+            <a:r>
+              <a:rPr lang="sv-SE" baseline="0" dirty="0" err="1" smtClean="0"/>
+              <a:t>between</a:t>
+            </a:r>
+            <a:r>
+              <a:rPr lang="sv-SE" baseline="0" dirty="0" smtClean="0"/>
+              <a:t> -5 and 5. Words in list </a:t>
+            </a:r>
+            <a:r>
+              <a:rPr lang="sv-SE" baseline="0" dirty="0" err="1" smtClean="0"/>
+              <a:t>manually</a:t>
+            </a:r>
+            <a:r>
+              <a:rPr lang="sv-SE" baseline="0" dirty="0" smtClean="0"/>
+              <a:t> </a:t>
+            </a:r>
+            <a:r>
+              <a:rPr lang="sv-SE" baseline="0" dirty="0" err="1" smtClean="0"/>
+              <a:t>labeled</a:t>
+            </a:r>
+            <a:r>
+              <a:rPr lang="sv-SE" baseline="0" dirty="0" smtClean="0"/>
+              <a:t> by Finn Nielsen.</a:t>
+            </a:r>
+          </a:p>
+          <a:p>
+            <a:pPr>
+              <a:buFont typeface="Arial" charset="0"/>
+              <a:buChar char="•"/>
+            </a:pPr>
+            <a:r>
+              <a:rPr lang="sv-SE" baseline="0" dirty="0" smtClean="0"/>
+              <a:t>Human </a:t>
+            </a:r>
+            <a:r>
+              <a:rPr lang="sv-SE" baseline="0" dirty="0" err="1" smtClean="0"/>
+              <a:t>judge</a:t>
+            </a:r>
+            <a:r>
+              <a:rPr lang="sv-SE" baseline="0" dirty="0" smtClean="0"/>
+              <a:t> in all </a:t>
+            </a:r>
+            <a:r>
+              <a:rPr lang="sv-SE" baseline="0" dirty="0" err="1" smtClean="0"/>
+              <a:t>cases</a:t>
+            </a:r>
+            <a:endParaRPr lang="sv-SE" baseline="0" dirty="0" smtClean="0"/>
+          </a:p>
+        </p:txBody>
+      </p:sp>
+      <p:sp>
+        <p:nvSpPr>
+          <p:cNvPr id="4" name="Platshållare för bildnummer 3"/>
+          <p:cNvSpPr>
+            <a:spLocks noGrp="1"/>
+          </p:cNvSpPr>
+          <p:nvPr>
+            <p:ph type="sldNum" sz="quarter" idx="10"/>
+          </p:nvPr>
+        </p:nvSpPr>
+        <p:spPr/>
+        <p:txBody>
+          <a:bodyPr/>
+          <a:lstStyle/>
+          <a:p>
+            <a:fld id="{CC8BC763-A577-4139-9468-42C163C5ADDC}" type="slidenum">
+              <a:rPr lang="sv-SE" smtClean="0"/>
+              <a:pPr/>
+              <a:t>14</a:t>
+            </a:fld>
+            <a:endParaRPr lang="sv-SE"/>
+          </a:p>
+        </p:txBody>
+      </p:sp>
+    </p:spTree>
   </p:cSld>
   <p:clrMapOvr>
     <a:masterClrMapping/>
@@ -1198,7 +3118,7 @@
             <a:fld id="{FDC88DAC-BFFC-42AC-82DE-FBDFF6BE271E}" type="datetimeFigureOut">
               <a:rPr lang="sv-SE" smtClean="0"/>
               <a:pPr/>
-              <a:t>2016-05-13</a:t>
+              <a:t>2016-05-16</a:t>
             </a:fld>
             <a:endParaRPr lang="sv-SE"/>
           </a:p>
@@ -1394,7 +3314,7 @@
             <a:fld id="{FDC88DAC-BFFC-42AC-82DE-FBDFF6BE271E}" type="datetimeFigureOut">
               <a:rPr lang="sv-SE" smtClean="0"/>
               <a:pPr/>
-              <a:t>2016-05-13</a:t>
+              <a:t>2016-05-16</a:t>
             </a:fld>
             <a:endParaRPr lang="sv-SE"/>
           </a:p>
@@ -1584,7 +3504,7 @@
             <a:fld id="{FDC88DAC-BFFC-42AC-82DE-FBDFF6BE271E}" type="datetimeFigureOut">
               <a:rPr lang="sv-SE" smtClean="0"/>
               <a:pPr/>
-              <a:t>2016-05-13</a:t>
+              <a:t>2016-05-16</a:t>
             </a:fld>
             <a:endParaRPr lang="sv-SE"/>
           </a:p>
@@ -1815,7 +3735,7 @@
             <a:fld id="{FDC88DAC-BFFC-42AC-82DE-FBDFF6BE271E}" type="datetimeFigureOut">
               <a:rPr lang="sv-SE" smtClean="0"/>
               <a:pPr/>
-              <a:t>2016-05-13</a:t>
+              <a:t>2016-05-16</a:t>
             </a:fld>
             <a:endParaRPr lang="sv-SE"/>
           </a:p>
@@ -2098,7 +4018,7 @@
             <a:fld id="{FDC88DAC-BFFC-42AC-82DE-FBDFF6BE271E}" type="datetimeFigureOut">
               <a:rPr lang="sv-SE" smtClean="0"/>
               <a:pPr/>
-              <a:t>2016-05-13</a:t>
+              <a:t>2016-05-16</a:t>
             </a:fld>
             <a:endParaRPr lang="sv-SE"/>
           </a:p>
@@ -2388,7 +4308,7 @@
             <a:fld id="{FDC88DAC-BFFC-42AC-82DE-FBDFF6BE271E}" type="datetimeFigureOut">
               <a:rPr lang="sv-SE" smtClean="0"/>
               <a:pPr/>
-              <a:t>2016-05-13</a:t>
+              <a:t>2016-05-16</a:t>
             </a:fld>
             <a:endParaRPr lang="sv-SE"/>
           </a:p>
@@ -2944,7 +4864,7 @@
             <a:fld id="{FDC88DAC-BFFC-42AC-82DE-FBDFF6BE271E}" type="datetimeFigureOut">
               <a:rPr lang="sv-SE" smtClean="0"/>
               <a:pPr/>
-              <a:t>2016-05-13</a:t>
+              <a:t>2016-05-16</a:t>
             </a:fld>
             <a:endParaRPr lang="sv-SE"/>
           </a:p>
@@ -3077,7 +4997,7 @@
             <a:fld id="{FDC88DAC-BFFC-42AC-82DE-FBDFF6BE271E}" type="datetimeFigureOut">
               <a:rPr lang="sv-SE" smtClean="0"/>
               <a:pPr/>
-              <a:t>2016-05-13</a:t>
+              <a:t>2016-05-16</a:t>
             </a:fld>
             <a:endParaRPr lang="sv-SE"/>
           </a:p>
@@ -3229,7 +5149,7 @@
             <a:fld id="{FDC88DAC-BFFC-42AC-82DE-FBDFF6BE271E}" type="datetimeFigureOut">
               <a:rPr lang="sv-SE" smtClean="0"/>
               <a:pPr/>
-              <a:t>2016-05-13</a:t>
+              <a:t>2016-05-16</a:t>
             </a:fld>
             <a:endParaRPr lang="sv-SE"/>
           </a:p>
@@ -3552,7 +5472,7 @@
             <a:fld id="{FDC88DAC-BFFC-42AC-82DE-FBDFF6BE271E}" type="datetimeFigureOut">
               <a:rPr lang="sv-SE" smtClean="0"/>
               <a:pPr/>
-              <a:t>2016-05-13</a:t>
+              <a:t>2016-05-16</a:t>
             </a:fld>
             <a:endParaRPr lang="sv-SE"/>
           </a:p>
@@ -3851,7 +5771,7 @@
             <a:fld id="{FDC88DAC-BFFC-42AC-82DE-FBDFF6BE271E}" type="datetimeFigureOut">
               <a:rPr lang="sv-SE" smtClean="0"/>
               <a:pPr/>
-              <a:t>2016-05-13</a:t>
+              <a:t>2016-05-16</a:t>
             </a:fld>
             <a:endParaRPr lang="sv-SE"/>
           </a:p>
@@ -4098,7 +6018,7 @@
             <a:fld id="{FDC88DAC-BFFC-42AC-82DE-FBDFF6BE271E}" type="datetimeFigureOut">
               <a:rPr lang="sv-SE" smtClean="0"/>
               <a:pPr/>
-              <a:t>2016-05-13</a:t>
+              <a:t>2016-05-16</a:t>
             </a:fld>
             <a:endParaRPr lang="sv-SE"/>
           </a:p>
@@ -4801,7 +6721,7 @@
           <p:nvPr/>
         </p:nvPicPr>
         <p:blipFill>
-          <a:blip r:embed="rId2"/>
+          <a:blip r:embed="rId3" cstate="print"/>
           <a:stretch>
             <a:fillRect/>
           </a:stretch>
@@ -4825,7 +6745,7 @@
           <p:nvPr/>
         </p:nvPicPr>
         <p:blipFill>
-          <a:blip r:embed="rId3"/>
+          <a:blip r:embed="rId4" cstate="print"/>
           <a:stretch>
             <a:fillRect/>
           </a:stretch>
@@ -4843,7 +6763,7 @@
     </p:spTree>
     <p:extLst>
       <p:ext uri="{BB962C8B-B14F-4D97-AF65-F5344CB8AC3E}">
-        <p14:creationId xmlns:p14="http://schemas.microsoft.com/office/powerpoint/2010/main" val="221701524"/>
+        <p14:creationId xmlns:p14="http://schemas.microsoft.com/office/powerpoint/2010/main" xmlns="" val="221701524"/>
       </p:ext>
     </p:extLst>
   </p:cSld>
@@ -4952,66 +6872,18 @@
           <a:p>
             <a:pPr lvl="1"/>
             <a:r>
-              <a:rPr lang="sv-SE" dirty="0" err="1" smtClean="0"/>
-              <a:t>Time</a:t>
-            </a:r>
-            <a:r>
-              <a:rPr lang="sv-SE" dirty="0" smtClean="0"/>
-              <a:t>-series to </a:t>
-            </a:r>
-            <a:r>
-              <a:rPr lang="sv-SE" dirty="0" err="1" smtClean="0"/>
-              <a:t>analyze</a:t>
-            </a:r>
-            <a:r>
-              <a:rPr lang="sv-SE" dirty="0" smtClean="0"/>
-              <a:t> </a:t>
-            </a:r>
-            <a:r>
-              <a:rPr lang="sv-SE" dirty="0" err="1" smtClean="0"/>
-              <a:t>increase</a:t>
-            </a:r>
-            <a:r>
-              <a:rPr lang="sv-SE" dirty="0" smtClean="0"/>
-              <a:t> in </a:t>
-            </a:r>
-            <a:r>
-              <a:rPr lang="sv-SE" dirty="0" err="1" smtClean="0"/>
-              <a:t>number</a:t>
-            </a:r>
-            <a:r>
-              <a:rPr lang="sv-SE" dirty="0" smtClean="0"/>
-              <a:t> </a:t>
-            </a:r>
-            <a:r>
-              <a:rPr lang="sv-SE" dirty="0" err="1" smtClean="0"/>
-              <a:t>of</a:t>
-            </a:r>
-            <a:r>
-              <a:rPr lang="sv-SE" dirty="0" smtClean="0"/>
-              <a:t> </a:t>
-            </a:r>
-            <a:r>
-              <a:rPr lang="sv-SE" dirty="0" err="1" smtClean="0"/>
-              <a:t>tweets</a:t>
-            </a:r>
-            <a:r>
-              <a:rPr lang="sv-SE" dirty="0" smtClean="0"/>
-              <a:t> and </a:t>
-            </a:r>
-            <a:r>
-              <a:rPr lang="sv-SE" dirty="0" err="1" smtClean="0"/>
-              <a:t>geographical</a:t>
-            </a:r>
-            <a:r>
-              <a:rPr lang="sv-SE" dirty="0" smtClean="0"/>
-              <a:t> </a:t>
-            </a:r>
-            <a:r>
-              <a:rPr lang="sv-SE" dirty="0" err="1" smtClean="0"/>
-              <a:t>spread</a:t>
-            </a:r>
-            <a:endParaRPr lang="sv-SE" dirty="0"/>
+              <a:rPr lang="en-US" dirty="0" smtClean="0"/>
+              <a:t>Time-series to analyze the number</a:t>
+            </a:r>
+            <a:r>
+              <a:rPr lang="en-US" dirty="0" smtClean="0"/>
+              <a:t> </a:t>
+            </a:r>
+            <a:r>
+              <a:rPr lang="en-US" dirty="0" smtClean="0"/>
+              <a:t>of tweets</a:t>
+            </a:r>
+            <a:endParaRPr lang="en-US" dirty="0"/>
           </a:p>
         </p:txBody>
       </p:sp>
@@ -5024,15 +6896,15 @@
           <p:nvPr/>
         </p:nvPicPr>
         <p:blipFill>
-          <a:blip r:embed="rId2"/>
+          <a:blip r:embed="rId3" cstate="print"/>
           <a:stretch>
             <a:fillRect/>
           </a:stretch>
         </p:blipFill>
         <p:spPr>
           <a:xfrm>
-            <a:off x="1043608" y="3127852"/>
-            <a:ext cx="6696744" cy="3294366"/>
+            <a:off x="1043608" y="2852936"/>
+            <a:ext cx="6696744" cy="3497274"/>
           </a:xfrm>
           <a:prstGeom prst="rect">
             <a:avLst/>
@@ -5042,7 +6914,7 @@
     </p:spTree>
     <p:extLst>
       <p:ext uri="{BB962C8B-B14F-4D97-AF65-F5344CB8AC3E}">
-        <p14:creationId xmlns:p14="http://schemas.microsoft.com/office/powerpoint/2010/main" val="2871879567"/>
+        <p14:creationId xmlns:p14="http://schemas.microsoft.com/office/powerpoint/2010/main" xmlns="" val="2871879567"/>
       </p:ext>
     </p:extLst>
   </p:cSld>
@@ -5203,10 +7075,10 @@
           </p:nvPr>
         </p:nvPicPr>
         <p:blipFill rotWithShape="1">
-          <a:blip r:embed="rId2">
+          <a:blip r:embed="rId3" cstate="print">
             <a:extLst>
               <a:ext uri="{28A0092B-C50C-407E-A947-70E740481C1C}">
-                <a14:useLocalDpi xmlns:a14="http://schemas.microsoft.com/office/drawing/2010/main" val="0"/>
+                <a14:useLocalDpi xmlns:a14="http://schemas.microsoft.com/office/drawing/2010/main" xmlns="" val="0"/>
               </a:ext>
             </a:extLst>
           </a:blip>
@@ -5236,7 +7108,7 @@
     </p:spTree>
     <p:extLst>
       <p:ext uri="{BB962C8B-B14F-4D97-AF65-F5344CB8AC3E}">
-        <p14:creationId xmlns:p14="http://schemas.microsoft.com/office/powerpoint/2010/main" val="935918261"/>
+        <p14:creationId xmlns:p14="http://schemas.microsoft.com/office/powerpoint/2010/main" xmlns="" val="935918261"/>
       </p:ext>
     </p:extLst>
   </p:cSld>
@@ -5527,7 +7399,7 @@
     </p:spTree>
     <p:extLst>
       <p:ext uri="{BB962C8B-B14F-4D97-AF65-F5344CB8AC3E}">
-        <p14:creationId xmlns:p14="http://schemas.microsoft.com/office/powerpoint/2010/main" val="3174532409"/>
+        <p14:creationId xmlns:p14="http://schemas.microsoft.com/office/powerpoint/2010/main" xmlns="" val="3174532409"/>
       </p:ext>
     </p:extLst>
   </p:cSld>
@@ -5818,7 +7690,7 @@
     </p:spTree>
     <p:extLst>
       <p:ext uri="{BB962C8B-B14F-4D97-AF65-F5344CB8AC3E}">
-        <p14:creationId xmlns:p14="http://schemas.microsoft.com/office/powerpoint/2010/main" val="106303725"/>
+        <p14:creationId xmlns:p14="http://schemas.microsoft.com/office/powerpoint/2010/main" xmlns="" val="106303725"/>
       </p:ext>
     </p:extLst>
   </p:cSld>
@@ -5927,7 +7799,7 @@
           </p:nvPr>
         </p:nvPicPr>
         <p:blipFill rotWithShape="1">
-          <a:blip r:embed="rId2"/>
+          <a:blip r:embed="rId3" cstate="print"/>
           <a:srcRect t="9340"/>
           <a:stretch/>
         </p:blipFill>
@@ -5950,7 +7822,7 @@
           <p:nvPr/>
         </p:nvPicPr>
         <p:blipFill rotWithShape="1">
-          <a:blip r:embed="rId3"/>
+          <a:blip r:embed="rId4" cstate="print"/>
           <a:srcRect l="1266" t="7790"/>
           <a:stretch/>
         </p:blipFill>
@@ -5967,7 +7839,7 @@
     </p:spTree>
     <p:extLst>
       <p:ext uri="{BB962C8B-B14F-4D97-AF65-F5344CB8AC3E}">
-        <p14:creationId xmlns:p14="http://schemas.microsoft.com/office/powerpoint/2010/main" val="3444082841"/>
+        <p14:creationId xmlns:p14="http://schemas.microsoft.com/office/powerpoint/2010/main" xmlns="" val="3444082841"/>
       </p:ext>
     </p:extLst>
   </p:cSld>
@@ -6076,7 +7948,7 @@
           </p:nvPr>
         </p:nvPicPr>
         <p:blipFill>
-          <a:blip r:embed="rId2"/>
+          <a:blip r:embed="rId3" cstate="print"/>
           <a:stretch>
             <a:fillRect/>
           </a:stretch>
@@ -6094,7 +7966,7 @@
     </p:spTree>
     <p:extLst>
       <p:ext uri="{BB962C8B-B14F-4D97-AF65-F5344CB8AC3E}">
-        <p14:creationId xmlns:p14="http://schemas.microsoft.com/office/powerpoint/2010/main" val="2905358950"/>
+        <p14:creationId xmlns:p14="http://schemas.microsoft.com/office/powerpoint/2010/main" xmlns="" val="2905358950"/>
       </p:ext>
     </p:extLst>
   </p:cSld>
@@ -6163,17 +8035,131 @@
         </p:nvSpPr>
         <p:spPr/>
         <p:txBody>
-          <a:bodyPr/>
+          <a:bodyPr>
+            <a:normAutofit fontScale="70000" lnSpcReduction="20000"/>
+          </a:bodyPr>
           <a:lstStyle/>
           <a:p>
-            <a:endParaRPr lang="sv-SE"/>
+            <a:r>
+              <a:rPr lang="en-US" dirty="0" smtClean="0"/>
+              <a:t>https://about.twitter.com/company , 27/4 -16</a:t>
+            </a:r>
+            <a:endParaRPr lang="sv-SE" dirty="0" smtClean="0"/>
+          </a:p>
+          <a:p>
+            <a:r>
+              <a:rPr lang="en-US" dirty="0" smtClean="0"/>
+              <a:t>http://uk.businessinsider.com/tweets-on-twitter-is-in-serious-decline-2016-2, 27/4- </a:t>
+            </a:r>
+            <a:r>
+              <a:rPr lang="en-US" dirty="0" smtClean="0"/>
+              <a:t>16</a:t>
+            </a:r>
+          </a:p>
+          <a:p>
+            <a:r>
+              <a:rPr lang="en-US" dirty="0" smtClean="0"/>
+              <a:t>http://expandedramblings.com/index.php/march-2013-by-the-numbers-a-few-amazing-twitter-stats/, 27/4- 16</a:t>
+            </a:r>
+            <a:endParaRPr lang="sv-SE" dirty="0" smtClean="0"/>
+          </a:p>
+          <a:p>
+            <a:r>
+              <a:rPr lang="en-US" dirty="0" smtClean="0"/>
+              <a:t>https://dev.twitter.com/rest/public, 28/4 - 16</a:t>
+            </a:r>
+            <a:endParaRPr lang="sv-SE" dirty="0" smtClean="0"/>
+          </a:p>
+          <a:p>
+            <a:r>
+              <a:rPr lang="en-US" dirty="0" smtClean="0"/>
+              <a:t>https://dev.twitter.com/streaming/overview, 28/4-16</a:t>
+            </a:r>
+            <a:endParaRPr lang="sv-SE" dirty="0" smtClean="0"/>
+          </a:p>
+          <a:p>
+            <a:r>
+              <a:rPr lang="en-US" dirty="0" smtClean="0"/>
+              <a:t>F. </a:t>
+            </a:r>
+            <a:r>
+              <a:rPr lang="en-US" dirty="0" err="1" smtClean="0"/>
+              <a:t>Nooralahzadeh</a:t>
+            </a:r>
+            <a:r>
+              <a:rPr lang="en-US" dirty="0" smtClean="0"/>
+              <a:t>, V. </a:t>
+            </a:r>
+            <a:r>
+              <a:rPr lang="en-US" dirty="0" err="1" smtClean="0"/>
+              <a:t>Arunachalam</a:t>
+            </a:r>
+            <a:r>
+              <a:rPr lang="en-US" dirty="0" smtClean="0"/>
+              <a:t> and C. G. </a:t>
+            </a:r>
+            <a:r>
+              <a:rPr lang="en-US" dirty="0" err="1" smtClean="0"/>
+              <a:t>Chiru</a:t>
+            </a:r>
+            <a:r>
+              <a:rPr lang="en-US" dirty="0" smtClean="0"/>
+              <a:t>, "2012 Presidential Elections on Twitter -- An Analysis of How the US and French Election were Reflected in Tweets," </a:t>
+            </a:r>
+            <a:r>
+              <a:rPr lang="en-US" i="1" dirty="0" smtClean="0"/>
+              <a:t>2013 19th International Conference on Control Systems and Computer Science</a:t>
+            </a:r>
+            <a:r>
+              <a:rPr lang="en-US" dirty="0" smtClean="0"/>
+              <a:t>, Bucharest, </a:t>
+            </a:r>
+            <a:r>
+              <a:rPr lang="en-US" dirty="0" smtClean="0"/>
+              <a:t>2013, </a:t>
+            </a:r>
+            <a:r>
+              <a:rPr lang="en-US" dirty="0" smtClean="0"/>
+              <a:t>pp. 240-246</a:t>
+            </a:r>
+            <a:r>
+              <a:rPr lang="en-US" dirty="0" smtClean="0"/>
+              <a:t>.</a:t>
+            </a:r>
+          </a:p>
+          <a:p>
+            <a:r>
+              <a:rPr lang="en-US" dirty="0" err="1" smtClean="0"/>
+              <a:t>Odlum</a:t>
+            </a:r>
+            <a:r>
+              <a:rPr lang="en-US" dirty="0" smtClean="0"/>
+              <a:t>, M., &amp; Yoon, S. (2015). Major article: What can we learn about the Ebola outbreak from tweets?. </a:t>
+            </a:r>
+            <a:r>
+              <a:rPr lang="en-US" i="1" dirty="0" smtClean="0"/>
+              <a:t>AJIC: American Journal Of Infection Control</a:t>
+            </a:r>
+            <a:r>
+              <a:rPr lang="en-US" dirty="0" smtClean="0"/>
+              <a:t>, </a:t>
+            </a:r>
+            <a:r>
+              <a:rPr lang="en-US" i="1" dirty="0" smtClean="0"/>
+              <a:t>43</a:t>
+            </a:r>
+            <a:r>
+              <a:rPr lang="en-US" dirty="0" smtClean="0"/>
+              <a:t>563-571. doi:10.1016/j.ajic.2015.02.023</a:t>
+            </a:r>
+            <a:endParaRPr lang="sv-SE" dirty="0"/>
           </a:p>
         </p:txBody>
       </p:sp>
     </p:spTree>
     <p:extLst>
       <p:ext uri="{BB962C8B-B14F-4D97-AF65-F5344CB8AC3E}">
-        <p14:creationId xmlns:p14="http://schemas.microsoft.com/office/powerpoint/2010/main" val="1485000600"/>
+        <p14:creationId xmlns:p14="http://schemas.microsoft.com/office/powerpoint/2010/main" xmlns="" val="1485000600"/>
       </p:ext>
     </p:extLst>
   </p:cSld>
@@ -6443,11 +8429,7 @@
             </a:r>
             <a:r>
               <a:rPr lang="sv-SE" dirty="0" smtClean="0"/>
-              <a:t> public </a:t>
-            </a:r>
-            <a:r>
-              <a:rPr lang="sv-SE" dirty="0" smtClean="0"/>
-              <a:t>API:s</a:t>
+              <a:t> public API:s</a:t>
             </a:r>
           </a:p>
           <a:p>
@@ -6602,7 +8584,6 @@
               <a:rPr lang="sv-SE" sz="2900" dirty="0" smtClean="0"/>
               <a:t>, no sampling</a:t>
             </a:r>
-            <a:endParaRPr lang="sv-SE" sz="2900" dirty="0" smtClean="0"/>
           </a:p>
           <a:p>
             <a:pPr marL="292100" lvl="1" indent="-292100">
@@ -6842,11 +8823,7 @@
             </a:r>
             <a:r>
               <a:rPr lang="sv-SE" dirty="0" err="1" smtClean="0"/>
-              <a:t>reaction</a:t>
-            </a:r>
-            <a:r>
-              <a:rPr lang="sv-SE" dirty="0" err="1" smtClean="0"/>
-              <a:t>s</a:t>
+              <a:t>reactions</a:t>
             </a:r>
             <a:r>
               <a:rPr lang="sv-SE" dirty="0" smtClean="0"/>
@@ -7140,7 +9117,7 @@
     </p:spTree>
     <p:extLst>
       <p:ext uri="{BB962C8B-B14F-4D97-AF65-F5344CB8AC3E}">
-        <p14:creationId xmlns:p14="http://schemas.microsoft.com/office/powerpoint/2010/main" val="344812808"/>
+        <p14:creationId xmlns:p14="http://schemas.microsoft.com/office/powerpoint/2010/main" xmlns="" val="344812808"/>
       </p:ext>
     </p:extLst>
   </p:cSld>
@@ -7346,15 +9323,7 @@
             </a:r>
             <a:r>
               <a:rPr lang="sv-SE" dirty="0" smtClean="0"/>
-              <a:t>, </a:t>
-            </a:r>
-            <a:r>
-              <a:rPr lang="sv-SE" dirty="0" err="1" smtClean="0"/>
-              <a:t>time</a:t>
-            </a:r>
-            <a:r>
-              <a:rPr lang="sv-SE" dirty="0" smtClean="0"/>
-              <a:t> stamp, </a:t>
+              <a:t>, time stamp, </a:t>
             </a:r>
             <a:r>
               <a:rPr lang="sv-SE" dirty="0" err="1"/>
@@ -7422,23 +9391,11 @@
             </a:r>
             <a:r>
               <a:rPr lang="sv-SE" dirty="0" smtClean="0"/>
-              <a:t> </a:t>
-            </a:r>
-            <a:r>
-              <a:rPr lang="sv-SE" dirty="0" err="1" smtClean="0"/>
-              <a:t>of</a:t>
-            </a:r>
-            <a:r>
-              <a:rPr lang="sv-SE" dirty="0" smtClean="0"/>
-              <a:t> </a:t>
+              <a:t> of </a:t>
             </a:r>
             <a:r>
               <a:rPr lang="sv-SE" dirty="0" err="1" smtClean="0"/>
               <a:t>followers</a:t>
-            </a:r>
-            <a:r>
-              <a:rPr lang="sv-SE" dirty="0" smtClean="0"/>
-              <a:t>.</a:t>
             </a:r>
             <a:endParaRPr lang="sv-SE" dirty="0"/>
           </a:p>
@@ -7447,7 +9404,7 @@
     </p:spTree>
     <p:extLst>
       <p:ext uri="{BB962C8B-B14F-4D97-AF65-F5344CB8AC3E}">
-        <p14:creationId xmlns:p14="http://schemas.microsoft.com/office/powerpoint/2010/main" val="1935362738"/>
+        <p14:creationId xmlns:p14="http://schemas.microsoft.com/office/powerpoint/2010/main" xmlns="" val="1935362738"/>
       </p:ext>
     </p:extLst>
   </p:cSld>
@@ -7565,7 +9522,15 @@
             </a:r>
             <a:r>
               <a:rPr lang="sv-SE" dirty="0"/>
-              <a:t>      (”, ´, ’, ;, ^, @)</a:t>
+              <a:t>      </a:t>
+            </a:r>
+            <a:r>
+              <a:rPr lang="sv-SE" dirty="0" smtClean="0"/>
+              <a:t>  (”, </a:t>
+            </a:r>
+            <a:r>
+              <a:rPr lang="sv-SE" dirty="0"/>
+              <a:t>´, ’, ;, ^, @)</a:t>
             </a:r>
           </a:p>
           <a:p>
@@ -7689,23 +9654,19 @@
             </a:r>
             <a:r>
               <a:rPr lang="sv-SE" dirty="0" smtClean="0"/>
-              <a:t> </a:t>
-            </a:r>
-            <a:r>
-              <a:rPr lang="sv-SE" dirty="0" err="1" smtClean="0"/>
-              <a:t>of</a:t>
-            </a:r>
-            <a:r>
-              <a:rPr lang="sv-SE" dirty="0" smtClean="0"/>
-              <a:t> </a:t>
-            </a:r>
-            <a:r>
-              <a:rPr lang="sv-SE" dirty="0" err="1" smtClean="0"/>
-              <a:t>occurences</a:t>
-            </a:r>
-            <a:r>
-              <a:rPr lang="sv-SE" dirty="0" smtClean="0"/>
-              <a:t> as feature</a:t>
+              <a:t> of </a:t>
+            </a:r>
+            <a:r>
+              <a:rPr lang="en-US" dirty="0" smtClean="0"/>
+              <a:t>occurrences </a:t>
+            </a:r>
+            <a:r>
+              <a:rPr lang="sv-SE" dirty="0" smtClean="0"/>
+              <a:t>as </a:t>
+            </a:r>
+            <a:r>
+              <a:rPr lang="sv-SE" dirty="0" smtClean="0"/>
+              <a:t>feature</a:t>
             </a:r>
           </a:p>
           <a:p>
@@ -7732,7 +9693,7 @@
     </p:spTree>
     <p:extLst>
       <p:ext uri="{BB962C8B-B14F-4D97-AF65-F5344CB8AC3E}">
-        <p14:creationId xmlns:p14="http://schemas.microsoft.com/office/powerpoint/2010/main" val="22028909"/>
+        <p14:creationId xmlns:p14="http://schemas.microsoft.com/office/powerpoint/2010/main" xmlns="" val="22028909"/>
       </p:ext>
     </p:extLst>
   </p:cSld>
@@ -8067,7 +10028,7 @@
     </p:spTree>
     <p:extLst>
       <p:ext uri="{BB962C8B-B14F-4D97-AF65-F5344CB8AC3E}">
-        <p14:creationId xmlns:p14="http://schemas.microsoft.com/office/powerpoint/2010/main" val="1278493599"/>
+        <p14:creationId xmlns:p14="http://schemas.microsoft.com/office/powerpoint/2010/main" xmlns="" val="1278493599"/>
       </p:ext>
     </p:extLst>
   </p:cSld>
@@ -8157,7 +10118,7 @@
         <p:spPr/>
         <p:txBody>
           <a:bodyPr>
-            <a:normAutofit lnSpcReduction="10000"/>
+            <a:normAutofit/>
           </a:bodyPr>
           <a:lstStyle/>
           <a:p>
@@ -8362,7 +10323,7 @@
     </p:spTree>
     <p:extLst>
       <p:ext uri="{BB962C8B-B14F-4D97-AF65-F5344CB8AC3E}">
-        <p14:creationId xmlns:p14="http://schemas.microsoft.com/office/powerpoint/2010/main" val="1228224381"/>
+        <p14:creationId xmlns:p14="http://schemas.microsoft.com/office/powerpoint/2010/main" xmlns="" val="1228224381"/>
       </p:ext>
     </p:extLst>
   </p:cSld>
@@ -8704,7 +10665,7 @@
     </a:clrScheme>
     <a:fontScheme name="Office">
       <a:majorFont>
-        <a:latin typeface="Calibri Light" panose="020F0302020204030204"/>
+        <a:latin typeface="Calibri Light"/>
         <a:ea typeface=""/>
         <a:cs typeface=""/>
         <a:font script="Jpan" typeface="ＭＳ Ｐゴシック"/>
@@ -8739,7 +10700,7 @@
         <a:font script="Geor" typeface="Sylfaen"/>
       </a:majorFont>
       <a:minorFont>
-        <a:latin typeface="Calibri" panose="020F0502020204030204"/>
+        <a:latin typeface="Calibri"/>
         <a:ea typeface=""/>
         <a:cs typeface=""/>
         <a:font script="Jpan" typeface="ＭＳ Ｐゴシック"/>
@@ -8916,7 +10877,7 @@
   <a:extraClrSchemeLst/>
   <a:extLst>
     <a:ext uri="{05A4C25C-085E-4340-85A3-A5531E510DB2}">
-      <thm15:themeFamily xmlns:thm15="http://schemas.microsoft.com/office/thememl/2012/main" name="Office Theme" id="{62F939B6-93AF-4DB8-9C6B-D6C7DFDC589F}" vid="{4A3C46E8-61CC-4603-A589-7422A47A8E4A}"/>
+      <thm15:themeFamily xmlns:thm15="http://schemas.microsoft.com/office/thememl/2012/main" xmlns="" name="Office Theme" id="{62F939B6-93AF-4DB8-9C6B-D6C7DFDC589F}" vid="{4A3C46E8-61CC-4603-A589-7422A47A8E4A}"/>
     </a:ext>
   </a:extLst>
 </a:theme>
